--- a/Applied Data Science - Clustering.pptx
+++ b/Applied Data Science - Clustering.pptx
@@ -5,22 +5,27 @@
     <p:sldMasterId id="2147483833" r:id="rId1"/>
   </p:sldMasterIdLst>
   <p:notesMasterIdLst>
-    <p:notesMasterId r:id="rId15"/>
+    <p:notesMasterId r:id="rId20"/>
   </p:notesMasterIdLst>
   <p:sldIdLst>
     <p:sldId id="256" r:id="rId2"/>
-    <p:sldId id="262" r:id="rId3"/>
-    <p:sldId id="265" r:id="rId4"/>
-    <p:sldId id="263" r:id="rId5"/>
-    <p:sldId id="264" r:id="rId6"/>
-    <p:sldId id="266" r:id="rId7"/>
-    <p:sldId id="269" r:id="rId8"/>
-    <p:sldId id="270" r:id="rId9"/>
-    <p:sldId id="271" r:id="rId10"/>
-    <p:sldId id="267" r:id="rId11"/>
-    <p:sldId id="268" r:id="rId12"/>
-    <p:sldId id="272" r:id="rId13"/>
-    <p:sldId id="273" r:id="rId14"/>
+    <p:sldId id="280" r:id="rId3"/>
+    <p:sldId id="274" r:id="rId4"/>
+    <p:sldId id="262" r:id="rId5"/>
+    <p:sldId id="275" r:id="rId6"/>
+    <p:sldId id="276" r:id="rId7"/>
+    <p:sldId id="281" r:id="rId8"/>
+    <p:sldId id="265" r:id="rId9"/>
+    <p:sldId id="278" r:id="rId10"/>
+    <p:sldId id="266" r:id="rId11"/>
+    <p:sldId id="277" r:id="rId12"/>
+    <p:sldId id="269" r:id="rId13"/>
+    <p:sldId id="270" r:id="rId14"/>
+    <p:sldId id="264" r:id="rId15"/>
+    <p:sldId id="271" r:id="rId16"/>
+    <p:sldId id="279" r:id="rId17"/>
+    <p:sldId id="272" r:id="rId18"/>
+    <p:sldId id="273" r:id="rId19"/>
   </p:sldIdLst>
   <p:sldSz cx="12192000" cy="6858000"/>
   <p:notesSz cx="6858000" cy="9144000"/>
@@ -209,7 +214,7 @@
           <a:p>
             <a:fld id="{F1D2C95C-E6C5-47EE-A945-EBB416EE6C3F}" type="datetimeFigureOut">
               <a:rPr lang="en-US" smtClean="0"/>
-              <a:t>5/5/2017</a:t>
+              <a:t>5/13/2017</a:t>
             </a:fld>
             <a:endParaRPr lang="en-US"/>
           </a:p>
@@ -546,7 +551,7 @@
           <a:p>
             <a:fld id="{EF941387-0482-4AF6-9996-23A3E24C4593}" type="slidenum">
               <a:rPr lang="en-US" smtClean="0"/>
-              <a:t>6</a:t>
+              <a:t>10</a:t>
             </a:fld>
             <a:endParaRPr lang="en-US"/>
           </a:p>
@@ -717,7 +722,7 @@
           <a:p>
             <a:fld id="{BF4D7DE9-04F8-4F0B-A692-02FE1DAE9F6D}" type="datetimeFigureOut">
               <a:rPr lang="en-US" smtClean="0"/>
-              <a:t>5/5/2017</a:t>
+              <a:t>5/13/2017</a:t>
             </a:fld>
             <a:endParaRPr lang="en-US"/>
           </a:p>
@@ -1092,7 +1097,7 @@
           <a:p>
             <a:fld id="{BF4D7DE9-04F8-4F0B-A692-02FE1DAE9F6D}" type="datetimeFigureOut">
               <a:rPr lang="en-US" smtClean="0"/>
-              <a:t>5/5/2017</a:t>
+              <a:t>5/13/2017</a:t>
             </a:fld>
             <a:endParaRPr lang="en-US"/>
           </a:p>
@@ -1297,7 +1302,7 @@
           <a:p>
             <a:fld id="{BF4D7DE9-04F8-4F0B-A692-02FE1DAE9F6D}" type="datetimeFigureOut">
               <a:rPr lang="en-US" smtClean="0"/>
-              <a:t>5/5/2017</a:t>
+              <a:t>5/13/2017</a:t>
             </a:fld>
             <a:endParaRPr lang="en-US"/>
           </a:p>
@@ -1477,7 +1482,7 @@
           <a:p>
             <a:fld id="{BF4D7DE9-04F8-4F0B-A692-02FE1DAE9F6D}" type="datetimeFigureOut">
               <a:rPr lang="en-US" smtClean="0"/>
-              <a:t>5/5/2017</a:t>
+              <a:t>5/13/2017</a:t>
             </a:fld>
             <a:endParaRPr lang="en-US"/>
           </a:p>
@@ -1708,7 +1713,7 @@
           <a:p>
             <a:fld id="{BF4D7DE9-04F8-4F0B-A692-02FE1DAE9F6D}" type="datetimeFigureOut">
               <a:rPr lang="en-US" smtClean="0"/>
-              <a:t>5/5/2017</a:t>
+              <a:t>5/13/2017</a:t>
             </a:fld>
             <a:endParaRPr lang="en-US"/>
           </a:p>
@@ -1972,7 +1977,7 @@
           <a:p>
             <a:fld id="{BF4D7DE9-04F8-4F0B-A692-02FE1DAE9F6D}" type="datetimeFigureOut">
               <a:rPr lang="en-US" smtClean="0"/>
-              <a:t>5/5/2017</a:t>
+              <a:t>5/13/2017</a:t>
             </a:fld>
             <a:endParaRPr lang="en-US"/>
           </a:p>
@@ -2351,7 +2356,7 @@
           <a:p>
             <a:fld id="{BF4D7DE9-04F8-4F0B-A692-02FE1DAE9F6D}" type="datetimeFigureOut">
               <a:rPr lang="en-US" smtClean="0"/>
-              <a:t>5/5/2017</a:t>
+              <a:t>5/13/2017</a:t>
             </a:fld>
             <a:endParaRPr lang="en-US"/>
           </a:p>
@@ -2808,7 +2813,7 @@
           <a:p>
             <a:fld id="{BF4D7DE9-04F8-4F0B-A692-02FE1DAE9F6D}" type="datetimeFigureOut">
               <a:rPr lang="en-US" smtClean="0"/>
-              <a:t>5/5/2017</a:t>
+              <a:t>5/13/2017</a:t>
             </a:fld>
             <a:endParaRPr lang="en-US"/>
           </a:p>
@@ -2933,7 +2938,7 @@
           <a:p>
             <a:fld id="{BF4D7DE9-04F8-4F0B-A692-02FE1DAE9F6D}" type="datetimeFigureOut">
               <a:rPr lang="en-US" smtClean="0"/>
-              <a:t>5/5/2017</a:t>
+              <a:t>5/13/2017</a:t>
             </a:fld>
             <a:endParaRPr lang="en-US"/>
           </a:p>
@@ -3035,7 +3040,7 @@
           <a:p>
             <a:fld id="{BF4D7DE9-04F8-4F0B-A692-02FE1DAE9F6D}" type="datetimeFigureOut">
               <a:rPr lang="en-US" smtClean="0"/>
-              <a:t>5/5/2017</a:t>
+              <a:t>5/13/2017</a:t>
             </a:fld>
             <a:endParaRPr lang="en-US"/>
           </a:p>
@@ -3135,7 +3140,7 @@
           <a:p>
             <a:fld id="{BF4D7DE9-04F8-4F0B-A692-02FE1DAE9F6D}" type="datetimeFigureOut">
               <a:rPr lang="en-US" smtClean="0"/>
-              <a:t>5/5/2017</a:t>
+              <a:t>5/13/2017</a:t>
             </a:fld>
             <a:endParaRPr lang="en-US"/>
           </a:p>
@@ -3513,7 +3518,7 @@
           <a:p>
             <a:fld id="{BF4D7DE9-04F8-4F0B-A692-02FE1DAE9F6D}" type="datetimeFigureOut">
               <a:rPr lang="en-US" smtClean="0"/>
-              <a:t>5/5/2017</a:t>
+              <a:t>5/13/2017</a:t>
             </a:fld>
             <a:endParaRPr lang="en-US"/>
           </a:p>
@@ -3733,7 +3738,7 @@
           <a:p>
             <a:fld id="{BF4D7DE9-04F8-4F0B-A692-02FE1DAE9F6D}" type="datetimeFigureOut">
               <a:rPr lang="en-US" smtClean="0"/>
-              <a:t>5/5/2017</a:t>
+              <a:t>5/13/2017</a:t>
             </a:fld>
             <a:endParaRPr lang="en-US"/>
           </a:p>
@@ -4393,211 +4398,59 @@
           <a:p>
             <a:r>
               <a:rPr lang="en-US" dirty="0" smtClean="0"/>
-              <a:t>SIMILARITY/Distance </a:t>
-            </a:r>
-            <a:r>
-              <a:rPr lang="en-US" dirty="0" smtClean="0"/>
-              <a:t>Metrics</a:t>
+              <a:t>Hierarchical Clustering</a:t>
             </a:r>
             <a:endParaRPr lang="he-IL" dirty="0"/>
           </a:p>
         </p:txBody>
       </p:sp>
-      <p:sp>
-        <p:nvSpPr>
-          <p:cNvPr id="3" name="Content Placeholder 2"/>
-          <p:cNvSpPr>
-            <a:spLocks noGrp="1"/>
-          </p:cNvSpPr>
+      <p:pic>
+        <p:nvPicPr>
+          <p:cNvPr id="1026" name="Picture 2" descr="Dendrogram showing the clustering of mammalian species using the m/z values obtained from computational analysis. Copyright 2009 John Wiley &amp; Sons, Ltd."/>
+          <p:cNvPicPr>
+            <a:picLocks noGrp="1" noChangeAspect="1" noChangeArrowheads="1"/>
+          </p:cNvPicPr>
           <p:nvPr>
             <p:ph idx="1"/>
           </p:nvPr>
-        </p:nvSpPr>
-        <p:spPr/>
-        <p:txBody>
-          <a:bodyPr>
-            <a:normAutofit/>
-          </a:bodyPr>
-          <a:lstStyle/>
-          <a:p>
-            <a:pPr marL="457200" indent="-457200">
-              <a:buFont typeface="+mj-lt"/>
-              <a:buAutoNum type="arabicPeriod"/>
-            </a:pPr>
-            <a:r>
-              <a:rPr lang="en-US" b="1" dirty="0">
+        </p:nvPicPr>
+        <p:blipFill>
+          <a:blip r:embed="rId3">
+            <a:extLst>
+              <a:ext uri="{28A0092B-C50C-407E-A947-70E740481C1C}">
+                <a14:useLocalDpi xmlns:a14="http://schemas.microsoft.com/office/drawing/2010/main" val="0"/>
+              </a:ext>
+            </a:extLst>
+          </a:blip>
+          <a:srcRect/>
+          <a:stretch>
+            <a:fillRect/>
+          </a:stretch>
+        </p:blipFill>
+        <p:spPr bwMode="auto">
+          <a:xfrm>
+            <a:off x="2677720" y="2462442"/>
+            <a:ext cx="6412698" cy="3669841"/>
+          </a:xfrm>
+          <a:prstGeom prst="rect">
+            <a:avLst/>
+          </a:prstGeom>
+          <a:noFill/>
+          <a:extLst>
+            <a:ext uri="{909E8E84-426E-40DD-AFC4-6F175D3DCCD1}">
+              <a14:hiddenFill xmlns:a14="http://schemas.microsoft.com/office/drawing/2010/main">
                 <a:solidFill>
-                  <a:schemeClr val="accent1"/>
+                  <a:srgbClr val="FFFFFF"/>
                 </a:solidFill>
-              </a:rPr>
-              <a:t>Euclidean</a:t>
-            </a:r>
-            <a:r>
-              <a:rPr lang="en-US" dirty="0">
-                <a:solidFill>
-                  <a:schemeClr val="accent1"/>
-                </a:solidFill>
-              </a:rPr>
-              <a:t> </a:t>
-            </a:r>
-            <a:r>
-              <a:rPr lang="en-US" dirty="0"/>
-              <a:t>(</a:t>
-            </a:r>
-            <a:r>
-              <a:rPr lang="en-US" dirty="0" err="1"/>
-              <a:t>euclidean</a:t>
-            </a:r>
-            <a:r>
-              <a:rPr lang="en-US" dirty="0"/>
-              <a:t> or l2</a:t>
-            </a:r>
-            <a:r>
-              <a:rPr lang="en-US" dirty="0" smtClean="0"/>
-              <a:t>)</a:t>
-            </a:r>
-            <a:endParaRPr lang="en-US" dirty="0"/>
-          </a:p>
-          <a:p>
-            <a:pPr marL="457200" indent="-457200">
-              <a:buFont typeface="+mj-lt"/>
-              <a:buAutoNum type="arabicPeriod"/>
-            </a:pPr>
-            <a:r>
-              <a:rPr lang="en-US" b="1" dirty="0" smtClean="0">
-                <a:solidFill>
-                  <a:schemeClr val="accent1"/>
-                </a:solidFill>
-              </a:rPr>
-              <a:t>Manhattan </a:t>
-            </a:r>
-            <a:r>
-              <a:rPr lang="en-US" dirty="0"/>
-              <a:t>(</a:t>
-            </a:r>
-            <a:r>
-              <a:rPr lang="en-US" dirty="0" err="1"/>
-              <a:t>manhattan</a:t>
-            </a:r>
-            <a:r>
-              <a:rPr lang="en-US" dirty="0"/>
-              <a:t> or l1</a:t>
-            </a:r>
-            <a:r>
-              <a:rPr lang="en-US" dirty="0" smtClean="0"/>
-              <a:t>) </a:t>
-            </a:r>
-          </a:p>
-          <a:p>
-            <a:pPr marL="630936" lvl="1" indent="-457200">
-              <a:buFont typeface="+mj-lt"/>
-              <a:buAutoNum type="arabicPeriod"/>
-            </a:pPr>
-            <a:r>
-              <a:rPr lang="en-US" dirty="0" smtClean="0"/>
-              <a:t>also </a:t>
-            </a:r>
-            <a:r>
-              <a:rPr lang="en-US" dirty="0"/>
-              <a:t>known as city block </a:t>
-            </a:r>
-            <a:r>
-              <a:rPr lang="en-US" dirty="0" smtClean="0"/>
-              <a:t>distance</a:t>
-            </a:r>
-            <a:endParaRPr lang="en-US" dirty="0" smtClean="0"/>
-          </a:p>
-          <a:p>
-            <a:pPr marL="457200" indent="-457200">
-              <a:buFont typeface="+mj-lt"/>
-              <a:buAutoNum type="arabicPeriod"/>
-            </a:pPr>
-            <a:r>
-              <a:rPr lang="en-US" b="1" dirty="0" smtClean="0">
-                <a:solidFill>
-                  <a:schemeClr val="accent1"/>
-                </a:solidFill>
-              </a:rPr>
-              <a:t>Cosine</a:t>
-            </a:r>
-            <a:r>
-              <a:rPr lang="en-US" b="1" dirty="0" smtClean="0"/>
-              <a:t> </a:t>
-            </a:r>
-            <a:r>
-              <a:rPr lang="en-US" dirty="0"/>
-              <a:t>(</a:t>
-            </a:r>
-            <a:r>
-              <a:rPr lang="en-US" dirty="0" smtClean="0"/>
-              <a:t>cosine)</a:t>
-            </a:r>
-          </a:p>
-          <a:p>
-            <a:pPr marL="470916" lvl="1" indent="-342900">
-              <a:buFont typeface="+mj-lt"/>
-              <a:buAutoNum type="arabicPeriod"/>
-            </a:pPr>
-            <a:r>
-              <a:rPr lang="en-US" dirty="0" smtClean="0"/>
-              <a:t>Take the shape more than the values into account</a:t>
-            </a:r>
-          </a:p>
-          <a:p>
-            <a:pPr marL="470916" lvl="1" indent="-342900">
-              <a:buFont typeface="+mj-lt"/>
-              <a:buAutoNum type="arabicPeriod"/>
-            </a:pPr>
-            <a:r>
-              <a:rPr lang="en-US" dirty="0" smtClean="0"/>
-              <a:t>A </a:t>
-            </a:r>
-            <a:r>
-              <a:rPr lang="en-US" dirty="0"/>
-              <a:t>good choice when there are too many variables </a:t>
-            </a:r>
-            <a:r>
-              <a:rPr lang="en-US" dirty="0" smtClean="0"/>
-              <a:t>and some may not </a:t>
-            </a:r>
-            <a:r>
-              <a:rPr lang="en-US" dirty="0"/>
-              <a:t>be significant (just noise</a:t>
-            </a:r>
-            <a:r>
-              <a:rPr lang="en-US" dirty="0" smtClean="0"/>
-              <a:t>)</a:t>
-            </a:r>
-          </a:p>
-          <a:p>
-            <a:pPr marL="470916" lvl="1" indent="-342900">
-              <a:buFont typeface="+mj-lt"/>
-              <a:buAutoNum type="arabicPeriod"/>
-            </a:pPr>
-            <a:r>
-              <a:rPr lang="en-US" dirty="0" smtClean="0"/>
-              <a:t>tends </a:t>
-            </a:r>
-            <a:r>
-              <a:rPr lang="en-US" dirty="0"/>
-              <a:t>to associate observations that have </a:t>
-            </a:r>
-            <a:r>
-              <a:rPr lang="en-US" dirty="0" smtClean="0"/>
-              <a:t>the same </a:t>
-            </a:r>
-            <a:r>
-              <a:rPr lang="en-US" dirty="0"/>
-              <a:t>maximum and minimum variables, regardless of their effective value.</a:t>
-            </a:r>
-            <a:endParaRPr lang="he-IL" dirty="0"/>
-          </a:p>
-        </p:txBody>
-      </p:sp>
+              </a14:hiddenFill>
+            </a:ext>
+          </a:extLst>
+        </p:spPr>
+      </p:pic>
     </p:spTree>
     <p:extLst>
       <p:ext uri="{BB962C8B-B14F-4D97-AF65-F5344CB8AC3E}">
-        <p14:creationId xmlns:p14="http://schemas.microsoft.com/office/powerpoint/2010/main" val="395030540"/>
+        <p14:creationId xmlns:p14="http://schemas.microsoft.com/office/powerpoint/2010/main" val="361057778"/>
       </p:ext>
     </p:extLst>
   </p:cSld>
@@ -4771,7 +4624,7 @@
     </p:spTree>
     <p:extLst>
       <p:ext uri="{BB962C8B-B14F-4D97-AF65-F5344CB8AC3E}">
-        <p14:creationId xmlns:p14="http://schemas.microsoft.com/office/powerpoint/2010/main" val="2663041159"/>
+        <p14:creationId xmlns:p14="http://schemas.microsoft.com/office/powerpoint/2010/main" val="1125732543"/>
       </p:ext>
     </p:extLst>
   </p:cSld>
@@ -4814,8 +4667,12 @@
           <a:lstStyle/>
           <a:p>
             <a:r>
+              <a:rPr lang="en-US" dirty="0"/>
+              <a:t>Hierarchical </a:t>
+            </a:r>
+            <a:r>
               <a:rPr lang="en-US" dirty="0" smtClean="0"/>
-              <a:t>Density Based: DB-Scan</a:t>
+              <a:t>Models</a:t>
             </a:r>
             <a:endParaRPr lang="he-IL" dirty="0"/>
           </a:p>
@@ -4833,22 +4690,765 @@
         </p:nvSpPr>
         <p:spPr/>
         <p:txBody>
+          <a:bodyPr/>
+          <a:lstStyle/>
+          <a:p>
+            <a:r>
+              <a:rPr lang="en-US" dirty="0" smtClean="0"/>
+              <a:t>Provide hierarchy </a:t>
+            </a:r>
+            <a:r>
+              <a:rPr lang="en-US" dirty="0"/>
+              <a:t>+ ability to cut at any point</a:t>
+            </a:r>
+          </a:p>
+          <a:p>
+            <a:r>
+              <a:rPr lang="en-US" dirty="0" smtClean="0"/>
+              <a:t>Don’t scale well – O(n</a:t>
+            </a:r>
+            <a:r>
+              <a:rPr lang="en-US" baseline="30000" dirty="0" smtClean="0"/>
+              <a:t>2</a:t>
+            </a:r>
+            <a:r>
+              <a:rPr lang="en-US" dirty="0" smtClean="0"/>
+              <a:t>) as opposed to O(n) for K-means</a:t>
+            </a:r>
+          </a:p>
+          <a:p>
+            <a:r>
+              <a:rPr lang="en-US" dirty="0" smtClean="0"/>
+              <a:t>Deterministic</a:t>
+            </a:r>
+          </a:p>
+          <a:p>
+            <a:r>
+              <a:rPr lang="en-US" dirty="0" smtClean="0"/>
+              <a:t>Can provide different </a:t>
+            </a:r>
+            <a:r>
+              <a:rPr lang="en-US" dirty="0" err="1" smtClean="0"/>
+              <a:t>partitionings</a:t>
+            </a:r>
+            <a:r>
+              <a:rPr lang="en-US" dirty="0" smtClean="0"/>
+              <a:t>, at different resolutions</a:t>
+            </a:r>
+            <a:endParaRPr lang="he-IL" dirty="0"/>
+          </a:p>
+        </p:txBody>
+      </p:sp>
+    </p:spTree>
+    <p:extLst>
+      <p:ext uri="{BB962C8B-B14F-4D97-AF65-F5344CB8AC3E}">
+        <p14:creationId xmlns:p14="http://schemas.microsoft.com/office/powerpoint/2010/main" val="215759324"/>
+      </p:ext>
+    </p:extLst>
+  </p:cSld>
+  <p:clrMapOvr>
+    <a:masterClrMapping/>
+  </p:clrMapOvr>
+</p:sld>
+</file>
+
+<file path=ppt/slides/slide13.xml><?xml version="1.0" encoding="utf-8"?>
+<p:sld xmlns:a="http://schemas.openxmlformats.org/drawingml/2006/main" xmlns:r="http://schemas.openxmlformats.org/officeDocument/2006/relationships" xmlns:p="http://schemas.openxmlformats.org/presentationml/2006/main">
+  <p:cSld>
+    <p:spTree>
+      <p:nvGrpSpPr>
+        <p:cNvPr id="1" name=""/>
+        <p:cNvGrpSpPr/>
+        <p:nvPr/>
+      </p:nvGrpSpPr>
+      <p:grpSpPr>
+        <a:xfrm>
+          <a:off x="0" y="0"/>
+          <a:ext cx="0" cy="0"/>
+          <a:chOff x="0" y="0"/>
+          <a:chExt cx="0" cy="0"/>
+        </a:xfrm>
+      </p:grpSpPr>
+      <p:sp>
+        <p:nvSpPr>
+          <p:cNvPr id="2" name="Title 1"/>
+          <p:cNvSpPr>
+            <a:spLocks noGrp="1"/>
+          </p:cNvSpPr>
+          <p:nvPr>
+            <p:ph type="title"/>
+          </p:nvPr>
+        </p:nvSpPr>
+        <p:spPr/>
+        <p:txBody>
+          <a:bodyPr/>
+          <a:lstStyle/>
+          <a:p>
+            <a:endParaRPr lang="he-IL"/>
+          </a:p>
+        </p:txBody>
+      </p:sp>
+      <p:pic>
+        <p:nvPicPr>
+          <p:cNvPr id="4" name="Content Placeholder 3"/>
+          <p:cNvPicPr>
+            <a:picLocks noGrp="1" noChangeAspect="1"/>
+          </p:cNvPicPr>
+          <p:nvPr>
+            <p:ph idx="1"/>
+          </p:nvPr>
+        </p:nvPicPr>
+        <p:blipFill>
+          <a:blip r:embed="rId2"/>
+          <a:stretch>
+            <a:fillRect/>
+          </a:stretch>
+        </p:blipFill>
+        <p:spPr>
+          <a:xfrm>
+            <a:off x="2240756" y="2935287"/>
+            <a:ext cx="7286625" cy="2724150"/>
+          </a:xfrm>
+          <a:prstGeom prst="rect">
+            <a:avLst/>
+          </a:prstGeom>
+        </p:spPr>
+      </p:pic>
+    </p:spTree>
+    <p:extLst>
+      <p:ext uri="{BB962C8B-B14F-4D97-AF65-F5344CB8AC3E}">
+        <p14:creationId xmlns:p14="http://schemas.microsoft.com/office/powerpoint/2010/main" val="1111248772"/>
+      </p:ext>
+    </p:extLst>
+  </p:cSld>
+  <p:clrMapOvr>
+    <a:masterClrMapping/>
+  </p:clrMapOvr>
+</p:sld>
+</file>
+
+<file path=ppt/slides/slide14.xml><?xml version="1.0" encoding="utf-8"?>
+<p:sld xmlns:a="http://schemas.openxmlformats.org/drawingml/2006/main" xmlns:r="http://schemas.openxmlformats.org/officeDocument/2006/relationships" xmlns:p="http://schemas.openxmlformats.org/presentationml/2006/main">
+  <p:cSld>
+    <p:spTree>
+      <p:nvGrpSpPr>
+        <p:cNvPr id="1" name=""/>
+        <p:cNvGrpSpPr/>
+        <p:nvPr/>
+      </p:nvGrpSpPr>
+      <p:grpSpPr>
+        <a:xfrm>
+          <a:off x="0" y="0"/>
+          <a:ext cx="0" cy="0"/>
+          <a:chOff x="0" y="0"/>
+          <a:chExt cx="0" cy="0"/>
+        </a:xfrm>
+      </p:grpSpPr>
+      <p:sp>
+        <p:nvSpPr>
+          <p:cNvPr id="2" name="Title 1"/>
+          <p:cNvSpPr>
+            <a:spLocks noGrp="1"/>
+          </p:cNvSpPr>
+          <p:nvPr>
+            <p:ph type="title"/>
+          </p:nvPr>
+        </p:nvSpPr>
+        <p:spPr/>
+        <p:txBody>
+          <a:bodyPr/>
+          <a:lstStyle/>
+          <a:p>
+            <a:endParaRPr lang="he-IL"/>
+          </a:p>
+        </p:txBody>
+      </p:sp>
+      <p:pic>
+        <p:nvPicPr>
+          <p:cNvPr id="4" name="Content Placeholder 3"/>
+          <p:cNvPicPr>
+            <a:picLocks noGrp="1" noChangeAspect="1"/>
+          </p:cNvPicPr>
+          <p:nvPr>
+            <p:ph idx="1"/>
+          </p:nvPr>
+        </p:nvPicPr>
+        <p:blipFill>
+          <a:blip r:embed="rId2"/>
+          <a:stretch>
+            <a:fillRect/>
+          </a:stretch>
+        </p:blipFill>
+        <p:spPr>
+          <a:xfrm>
+            <a:off x="2750344" y="3597275"/>
+            <a:ext cx="6267450" cy="1400175"/>
+          </a:xfrm>
+          <a:prstGeom prst="rect">
+            <a:avLst/>
+          </a:prstGeom>
+        </p:spPr>
+      </p:pic>
+      <p:pic>
+        <p:nvPicPr>
+          <p:cNvPr id="5" name="Picture 4"/>
+          <p:cNvPicPr>
+            <a:picLocks noChangeAspect="1"/>
+          </p:cNvPicPr>
+          <p:nvPr/>
+        </p:nvPicPr>
+        <p:blipFill>
+          <a:blip r:embed="rId3"/>
+          <a:stretch>
+            <a:fillRect/>
+          </a:stretch>
+        </p:blipFill>
+        <p:spPr>
+          <a:xfrm>
+            <a:off x="6275615" y="2476500"/>
+            <a:ext cx="3733800" cy="3429000"/>
+          </a:xfrm>
+          <a:prstGeom prst="rect">
+            <a:avLst/>
+          </a:prstGeom>
+        </p:spPr>
+      </p:pic>
+    </p:spTree>
+    <p:extLst>
+      <p:ext uri="{BB962C8B-B14F-4D97-AF65-F5344CB8AC3E}">
+        <p14:creationId xmlns:p14="http://schemas.microsoft.com/office/powerpoint/2010/main" val="2626306998"/>
+      </p:ext>
+    </p:extLst>
+  </p:cSld>
+  <p:clrMapOvr>
+    <a:masterClrMapping/>
+  </p:clrMapOvr>
+</p:sld>
+</file>
+
+<file path=ppt/slides/slide15.xml><?xml version="1.0" encoding="utf-8"?>
+<p:sld xmlns:a="http://schemas.openxmlformats.org/drawingml/2006/main" xmlns:r="http://schemas.openxmlformats.org/officeDocument/2006/relationships" xmlns:p="http://schemas.openxmlformats.org/presentationml/2006/main">
+  <p:cSld>
+    <p:spTree>
+      <p:nvGrpSpPr>
+        <p:cNvPr id="1" name=""/>
+        <p:cNvGrpSpPr/>
+        <p:nvPr/>
+      </p:nvGrpSpPr>
+      <p:grpSpPr>
+        <a:xfrm>
+          <a:off x="0" y="0"/>
+          <a:ext cx="0" cy="0"/>
+          <a:chOff x="0" y="0"/>
+          <a:chExt cx="0" cy="0"/>
+        </a:xfrm>
+      </p:grpSpPr>
+      <p:sp>
+        <p:nvSpPr>
+          <p:cNvPr id="2" name="Title 1"/>
+          <p:cNvSpPr>
+            <a:spLocks noGrp="1"/>
+          </p:cNvSpPr>
+          <p:nvPr>
+            <p:ph type="title"/>
+          </p:nvPr>
+        </p:nvSpPr>
+        <p:spPr/>
+        <p:txBody>
+          <a:bodyPr/>
+          <a:lstStyle/>
+          <a:p>
+            <a:r>
+              <a:rPr lang="en-US" dirty="0" smtClean="0"/>
+              <a:t>Combining K-means and Hierarchical Clustering</a:t>
+            </a:r>
+            <a:endParaRPr lang="he-IL" dirty="0"/>
+          </a:p>
+        </p:txBody>
+      </p:sp>
+      <p:sp>
+        <p:nvSpPr>
+          <p:cNvPr id="3" name="Content Placeholder 2"/>
+          <p:cNvSpPr>
+            <a:spLocks noGrp="1"/>
+          </p:cNvSpPr>
+          <p:nvPr>
+            <p:ph idx="1"/>
+          </p:nvPr>
+        </p:nvSpPr>
+        <p:spPr/>
+        <p:txBody>
           <a:bodyPr>
-            <a:normAutofit fontScale="77500" lnSpcReduction="20000"/>
+            <a:normAutofit fontScale="47500" lnSpcReduction="20000"/>
           </a:bodyPr>
           <a:lstStyle/>
           <a:p>
             <a:r>
+              <a:rPr lang="en-US" dirty="0"/>
+              <a:t>from </a:t>
+            </a:r>
+            <a:r>
+              <a:rPr lang="en-US" dirty="0" err="1"/>
+              <a:t>sklearn.cluster</a:t>
+            </a:r>
+            <a:r>
+              <a:rPr lang="en-US" dirty="0"/>
+              <a:t> import </a:t>
+            </a:r>
+            <a:r>
+              <a:rPr lang="en-US" dirty="0" err="1"/>
+              <a:t>KMeans</a:t>
+            </a:r>
+            <a:endParaRPr lang="en-US" dirty="0"/>
+          </a:p>
+          <a:p>
+            <a:r>
+              <a:rPr lang="en-US" dirty="0"/>
+              <a:t>clustering = </a:t>
+            </a:r>
+            <a:r>
+              <a:rPr lang="en-US" dirty="0" err="1"/>
+              <a:t>KMeans</a:t>
+            </a:r>
+            <a:r>
+              <a:rPr lang="en-US" dirty="0"/>
+              <a:t>(</a:t>
+            </a:r>
+            <a:r>
+              <a:rPr lang="en-US" dirty="0" err="1"/>
+              <a:t>n_clusters</a:t>
+            </a:r>
+            <a:r>
+              <a:rPr lang="en-US" dirty="0"/>
+              <a:t>=100, </a:t>
+            </a:r>
+            <a:r>
+              <a:rPr lang="en-US" dirty="0" err="1" smtClean="0"/>
+              <a:t>n_init</a:t>
+            </a:r>
+            <a:r>
               <a:rPr lang="en-US" dirty="0" smtClean="0"/>
+              <a:t>=10, </a:t>
+            </a:r>
+            <a:r>
+              <a:rPr lang="en-US" dirty="0" err="1" smtClean="0"/>
+              <a:t>random_state</a:t>
+            </a:r>
+            <a:r>
+              <a:rPr lang="en-US" dirty="0" smtClean="0"/>
+              <a:t>=1</a:t>
+            </a:r>
+            <a:r>
+              <a:rPr lang="en-US" dirty="0"/>
+              <a:t>)</a:t>
+            </a:r>
+          </a:p>
+          <a:p>
+            <a:r>
+              <a:rPr lang="en-US" dirty="0" err="1"/>
+              <a:t>clustering.fit</a:t>
+            </a:r>
+            <a:r>
+              <a:rPr lang="en-US" dirty="0"/>
+              <a:t>(</a:t>
+            </a:r>
+            <a:r>
+              <a:rPr lang="en-US" dirty="0" err="1"/>
+              <a:t>Cx</a:t>
+            </a:r>
+            <a:r>
+              <a:rPr lang="en-US" dirty="0" smtClean="0"/>
+              <a:t>)</a:t>
+            </a:r>
+          </a:p>
+          <a:p>
+            <a:endParaRPr lang="en-US" dirty="0" smtClean="0"/>
+          </a:p>
+          <a:p>
+            <a:r>
+              <a:rPr lang="en-US" dirty="0" err="1" smtClean="0"/>
+              <a:t>Kx</a:t>
+            </a:r>
+            <a:r>
+              <a:rPr lang="en-US" dirty="0" smtClean="0"/>
+              <a:t> </a:t>
+            </a:r>
+            <a:r>
+              <a:rPr lang="en-US" dirty="0"/>
+              <a:t>= </a:t>
+            </a:r>
+            <a:r>
+              <a:rPr lang="en-US" dirty="0" err="1"/>
+              <a:t>clustering.cluster_centers</a:t>
+            </a:r>
+            <a:r>
+              <a:rPr lang="en-US" dirty="0"/>
+              <a:t>_</a:t>
+            </a:r>
+          </a:p>
+          <a:p>
+            <a:r>
+              <a:rPr lang="en-US" dirty="0" err="1"/>
+              <a:t>Kx_mapping</a:t>
+            </a:r>
+            <a:r>
+              <a:rPr lang="en-US" dirty="0"/>
+              <a:t> = {</a:t>
+            </a:r>
+            <a:r>
+              <a:rPr lang="en-US" dirty="0" err="1"/>
+              <a:t>case:cluster</a:t>
+            </a:r>
+            <a:r>
+              <a:rPr lang="en-US" dirty="0"/>
+              <a:t> for case,</a:t>
+            </a:r>
+          </a:p>
+          <a:p>
+            <a:r>
+              <a:rPr lang="en-US" dirty="0"/>
+              <a:t>cluster in enumerate(</a:t>
+            </a:r>
+            <a:r>
+              <a:rPr lang="en-US" dirty="0" err="1"/>
+              <a:t>clustering.labels</a:t>
+            </a:r>
+            <a:r>
+              <a:rPr lang="en-US" dirty="0" smtClean="0"/>
+              <a:t>_)}</a:t>
+            </a:r>
+          </a:p>
+          <a:p>
+            <a:endParaRPr lang="en-US" dirty="0" smtClean="0"/>
+          </a:p>
+          <a:p>
+            <a:r>
+              <a:rPr lang="en-US" dirty="0"/>
+              <a:t>from </a:t>
+            </a:r>
+            <a:r>
+              <a:rPr lang="en-US" dirty="0" err="1"/>
+              <a:t>sklearn.cluster</a:t>
+            </a:r>
+            <a:r>
+              <a:rPr lang="en-US" dirty="0"/>
+              <a:t> import </a:t>
+            </a:r>
+            <a:r>
+              <a:rPr lang="en-US" dirty="0" err="1"/>
+              <a:t>AgglomerativeClustering</a:t>
+            </a:r>
+            <a:endParaRPr lang="en-US" dirty="0"/>
+          </a:p>
+          <a:p>
+            <a:r>
+              <a:rPr lang="en-US" dirty="0" err="1"/>
+              <a:t>Hclustering</a:t>
+            </a:r>
+            <a:r>
+              <a:rPr lang="en-US" dirty="0"/>
+              <a:t> = </a:t>
+            </a:r>
+            <a:r>
+              <a:rPr lang="en-US" dirty="0" err="1"/>
+              <a:t>AgglomerativeClustering</a:t>
+            </a:r>
+            <a:r>
+              <a:rPr lang="en-US" dirty="0"/>
+              <a:t>(</a:t>
+            </a:r>
+            <a:r>
+              <a:rPr lang="en-US" dirty="0" err="1"/>
+              <a:t>n_clusters</a:t>
+            </a:r>
+            <a:r>
+              <a:rPr lang="en-US" dirty="0"/>
+              <a:t>=10</a:t>
+            </a:r>
+            <a:r>
+              <a:rPr lang="en-US" dirty="0" smtClean="0"/>
+              <a:t>, affinity</a:t>
+            </a:r>
+            <a:r>
+              <a:rPr lang="en-US" dirty="0"/>
+              <a:t>='cosine', linkage='complete')</a:t>
+            </a:r>
+          </a:p>
+          <a:p>
+            <a:r>
+              <a:rPr lang="en-US" dirty="0" err="1"/>
+              <a:t>Hclustering.fit</a:t>
+            </a:r>
+            <a:r>
+              <a:rPr lang="en-US" dirty="0"/>
+              <a:t>(</a:t>
+            </a:r>
+            <a:r>
+              <a:rPr lang="en-US" dirty="0" err="1"/>
+              <a:t>Kx</a:t>
+            </a:r>
+            <a:r>
+              <a:rPr lang="en-US" dirty="0" smtClean="0"/>
+              <a:t>)</a:t>
+            </a:r>
+          </a:p>
+          <a:p>
+            <a:endParaRPr lang="en-US" dirty="0"/>
+          </a:p>
+          <a:p>
+            <a:r>
+              <a:rPr lang="en-US" dirty="0" err="1"/>
+              <a:t>H_mapping</a:t>
+            </a:r>
+            <a:r>
+              <a:rPr lang="en-US" dirty="0"/>
+              <a:t> = {</a:t>
+            </a:r>
+            <a:r>
+              <a:rPr lang="en-US" dirty="0" err="1"/>
+              <a:t>case:cluster</a:t>
+            </a:r>
+            <a:r>
+              <a:rPr lang="en-US" dirty="0"/>
+              <a:t> for case</a:t>
+            </a:r>
+            <a:r>
+              <a:rPr lang="en-US" dirty="0" smtClean="0"/>
+              <a:t>, cluster </a:t>
+            </a:r>
+            <a:r>
+              <a:rPr lang="en-US" dirty="0"/>
+              <a:t>in enumerate(</a:t>
+            </a:r>
+            <a:r>
+              <a:rPr lang="en-US" dirty="0" err="1"/>
+              <a:t>Hclustering.labels</a:t>
+            </a:r>
+            <a:r>
+              <a:rPr lang="en-US" dirty="0"/>
+              <a:t>_)}</a:t>
+            </a:r>
+          </a:p>
+          <a:p>
+            <a:r>
+              <a:rPr lang="en-US" dirty="0" err="1"/>
+              <a:t>final_mapping</a:t>
+            </a:r>
+            <a:r>
+              <a:rPr lang="en-US" dirty="0"/>
+              <a:t> = {</a:t>
+            </a:r>
+            <a:r>
+              <a:rPr lang="en-US" dirty="0" err="1"/>
+              <a:t>case:H_mapping</a:t>
+            </a:r>
+            <a:r>
+              <a:rPr lang="en-US" dirty="0"/>
+              <a:t>[</a:t>
+            </a:r>
+            <a:r>
+              <a:rPr lang="en-US" dirty="0" err="1"/>
+              <a:t>Kx_mapping</a:t>
+            </a:r>
+            <a:r>
+              <a:rPr lang="en-US" dirty="0"/>
+              <a:t>[case</a:t>
+            </a:r>
+            <a:r>
+              <a:rPr lang="en-US" dirty="0" smtClean="0"/>
+              <a:t>]] for </a:t>
+            </a:r>
+            <a:r>
+              <a:rPr lang="en-US" dirty="0"/>
+              <a:t>case in </a:t>
+            </a:r>
+            <a:r>
+              <a:rPr lang="en-US" dirty="0" err="1"/>
+              <a:t>Kx_mapping</a:t>
+            </a:r>
+            <a:r>
+              <a:rPr lang="en-US" dirty="0"/>
+              <a:t>}</a:t>
+            </a:r>
+            <a:endParaRPr lang="he-IL" dirty="0"/>
+          </a:p>
+        </p:txBody>
+      </p:sp>
+    </p:spTree>
+    <p:extLst>
+      <p:ext uri="{BB962C8B-B14F-4D97-AF65-F5344CB8AC3E}">
+        <p14:creationId xmlns:p14="http://schemas.microsoft.com/office/powerpoint/2010/main" val="3412554809"/>
+      </p:ext>
+    </p:extLst>
+  </p:cSld>
+  <p:clrMapOvr>
+    <a:masterClrMapping/>
+  </p:clrMapOvr>
+</p:sld>
+</file>
+
+<file path=ppt/slides/slide16.xml><?xml version="1.0" encoding="utf-8"?>
+<p:sld xmlns:a="http://schemas.openxmlformats.org/drawingml/2006/main" xmlns:r="http://schemas.openxmlformats.org/officeDocument/2006/relationships" xmlns:p="http://schemas.openxmlformats.org/presentationml/2006/main">
+  <p:cSld>
+    <p:spTree>
+      <p:nvGrpSpPr>
+        <p:cNvPr id="1" name=""/>
+        <p:cNvGrpSpPr/>
+        <p:nvPr/>
+      </p:nvGrpSpPr>
+      <p:grpSpPr>
+        <a:xfrm>
+          <a:off x="0" y="0"/>
+          <a:ext cx="0" cy="0"/>
+          <a:chOff x="0" y="0"/>
+          <a:chExt cx="0" cy="0"/>
+        </a:xfrm>
+      </p:grpSpPr>
+      <p:sp>
+        <p:nvSpPr>
+          <p:cNvPr id="2" name="Title 1"/>
+          <p:cNvSpPr>
+            <a:spLocks noGrp="1"/>
+          </p:cNvSpPr>
+          <p:nvPr>
+            <p:ph type="title"/>
+          </p:nvPr>
+        </p:nvSpPr>
+        <p:spPr/>
+        <p:txBody>
+          <a:bodyPr/>
+          <a:lstStyle/>
+          <a:p>
+            <a:r>
+              <a:rPr lang="en-US" dirty="0"/>
+              <a:t>Density </a:t>
+            </a:r>
+            <a:r>
+              <a:rPr lang="en-US" dirty="0" smtClean="0"/>
+              <a:t>Based Clusters: DB-Scan</a:t>
+            </a:r>
+            <a:endParaRPr lang="he-IL" dirty="0"/>
+          </a:p>
+        </p:txBody>
+      </p:sp>
+      <p:sp>
+        <p:nvSpPr>
+          <p:cNvPr id="3" name="Content Placeholder 2"/>
+          <p:cNvSpPr>
+            <a:spLocks noGrp="1"/>
+          </p:cNvSpPr>
+          <p:nvPr>
+            <p:ph idx="1"/>
+          </p:nvPr>
+        </p:nvSpPr>
+        <p:spPr/>
+        <p:txBody>
+          <a:bodyPr/>
+          <a:lstStyle/>
+          <a:p>
+            <a:r>
+              <a:rPr lang="en-US" dirty="0"/>
               <a:t>Slower than K-Means, faster than hierarchical clustering</a:t>
             </a:r>
           </a:p>
           <a:p>
             <a:r>
+              <a:rPr lang="en-US" dirty="0"/>
+              <a:t>Finds the number of clusters itself</a:t>
+            </a:r>
+          </a:p>
+          <a:p>
+            <a:r>
               <a:rPr lang="en-US" dirty="0" smtClean="0"/>
-              <a:t>Finds the number of clusters itself</a:t>
-            </a:r>
-          </a:p>
+              <a:t>Robust to outliers</a:t>
+            </a:r>
+          </a:p>
+          <a:p>
+            <a:r>
+              <a:rPr lang="en-US" dirty="0" smtClean="0"/>
+              <a:t>Can decide </a:t>
+            </a:r>
+            <a:r>
+              <a:rPr lang="en-US" b="1" dirty="0" smtClean="0"/>
+              <a:t>not</a:t>
+            </a:r>
+            <a:r>
+              <a:rPr lang="en-US" dirty="0" smtClean="0"/>
+              <a:t> to cluster points in low-density areas</a:t>
+            </a:r>
+            <a:endParaRPr lang="he-IL" dirty="0"/>
+          </a:p>
+        </p:txBody>
+      </p:sp>
+    </p:spTree>
+    <p:extLst>
+      <p:ext uri="{BB962C8B-B14F-4D97-AF65-F5344CB8AC3E}">
+        <p14:creationId xmlns:p14="http://schemas.microsoft.com/office/powerpoint/2010/main" val="744820196"/>
+      </p:ext>
+    </p:extLst>
+  </p:cSld>
+  <p:clrMapOvr>
+    <a:masterClrMapping/>
+  </p:clrMapOvr>
+</p:sld>
+</file>
+
+<file path=ppt/slides/slide17.xml><?xml version="1.0" encoding="utf-8"?>
+<p:sld xmlns:a="http://schemas.openxmlformats.org/drawingml/2006/main" xmlns:r="http://schemas.openxmlformats.org/officeDocument/2006/relationships" xmlns:p="http://schemas.openxmlformats.org/presentationml/2006/main">
+  <p:cSld>
+    <p:spTree>
+      <p:nvGrpSpPr>
+        <p:cNvPr id="1" name=""/>
+        <p:cNvGrpSpPr/>
+        <p:nvPr/>
+      </p:nvGrpSpPr>
+      <p:grpSpPr>
+        <a:xfrm>
+          <a:off x="0" y="0"/>
+          <a:ext cx="0" cy="0"/>
+          <a:chOff x="0" y="0"/>
+          <a:chExt cx="0" cy="0"/>
+        </a:xfrm>
+      </p:grpSpPr>
+      <p:sp>
+        <p:nvSpPr>
+          <p:cNvPr id="2" name="Title 1"/>
+          <p:cNvSpPr>
+            <a:spLocks noGrp="1"/>
+          </p:cNvSpPr>
+          <p:nvPr>
+            <p:ph type="title"/>
+          </p:nvPr>
+        </p:nvSpPr>
+        <p:spPr/>
+        <p:txBody>
+          <a:bodyPr/>
+          <a:lstStyle/>
+          <a:p>
+            <a:r>
+              <a:rPr lang="en-US" dirty="0" smtClean="0"/>
+              <a:t>DB-Scan</a:t>
+            </a:r>
+            <a:endParaRPr lang="he-IL" dirty="0"/>
+          </a:p>
+        </p:txBody>
+      </p:sp>
+      <p:sp>
+        <p:nvSpPr>
+          <p:cNvPr id="3" name="Content Placeholder 2"/>
+          <p:cNvSpPr>
+            <a:spLocks noGrp="1"/>
+          </p:cNvSpPr>
+          <p:nvPr>
+            <p:ph idx="1"/>
+          </p:nvPr>
+        </p:nvSpPr>
+        <p:spPr/>
+        <p:txBody>
+          <a:bodyPr>
+            <a:normAutofit fontScale="92500" lnSpcReduction="10000"/>
+          </a:bodyPr>
+          <a:lstStyle/>
           <a:p>
             <a:r>
               <a:rPr lang="en-US" dirty="0" smtClean="0"/>
@@ -4977,7 +5577,7 @@
 </p:sld>
 </file>
 
-<file path=ppt/slides/slide13.xml><?xml version="1.0" encoding="utf-8"?>
+<file path=ppt/slides/slide18.xml><?xml version="1.0" encoding="utf-8"?>
 <p:sld xmlns:a="http://schemas.openxmlformats.org/drawingml/2006/main" xmlns:r="http://schemas.openxmlformats.org/officeDocument/2006/relationships" xmlns:p="http://schemas.openxmlformats.org/presentationml/2006/main">
   <p:cSld>
     <p:spTree>
@@ -5083,7 +5683,7 @@
           <a:p>
             <a:r>
               <a:rPr lang="en-US" dirty="0" smtClean="0"/>
-              <a:t>K-Means</a:t>
+              <a:t>Centroid-based Algorithms</a:t>
             </a:r>
             <a:endParaRPr lang="he-IL" dirty="0"/>
           </a:p>
@@ -5104,45 +5704,72 @@
           <a:bodyPr/>
           <a:lstStyle/>
           <a:p>
+            <a:pPr marL="457200" indent="-457200">
+              <a:buFont typeface="+mj-lt"/>
+              <a:buAutoNum type="arabicPeriod"/>
+            </a:pPr>
             <a:r>
               <a:rPr lang="en-US" dirty="0" smtClean="0"/>
-              <a:t>Assumes that a class has a “centroid”</a:t>
-            </a:r>
-          </a:p>
-          <a:p>
+              <a:t>Guess </a:t>
+            </a:r>
+            <a:r>
+              <a:rPr lang="en-US" dirty="0"/>
+              <a:t>a K number of </a:t>
+            </a:r>
             <a:r>
               <a:rPr lang="en-US" dirty="0" smtClean="0"/>
-              <a:t>Will find clusters even if none exist!</a:t>
-            </a:r>
-          </a:p>
-          <a:p>
+              <a:t>clusters</a:t>
+            </a:r>
+          </a:p>
+          <a:p>
+            <a:pPr marL="457200" indent="-457200">
+              <a:buFont typeface="+mj-lt"/>
+              <a:buAutoNum type="arabicPeriod"/>
+            </a:pPr>
+            <a:r>
+              <a:rPr lang="en-US" dirty="0" smtClean="0"/>
+              <a:t>Form </a:t>
+            </a:r>
             <a:r>
               <a:rPr lang="en-US" dirty="0"/>
-              <a:t>How is distance computed?</a:t>
-            </a:r>
-            <a:endParaRPr lang="he-IL" dirty="0"/>
-          </a:p>
-          <a:p>
+              <a:t>the initial </a:t>
+            </a:r>
             <a:r>
               <a:rPr lang="en-US" dirty="0" smtClean="0"/>
-              <a:t>What if features are scaled?</a:t>
-            </a:r>
-          </a:p>
-          <a:p>
+              <a:t>clusters</a:t>
+            </a:r>
+          </a:p>
+          <a:p>
+            <a:pPr marL="457200" indent="-457200">
+              <a:buFont typeface="+mj-lt"/>
+              <a:buAutoNum type="arabicPeriod"/>
+            </a:pPr>
             <a:r>
               <a:rPr lang="en-US" dirty="0" smtClean="0"/>
-              <a:t>When to stop iterating?</a:t>
-            </a:r>
-          </a:p>
-          <a:p>
-            <a:endParaRPr lang="he-IL" dirty="0"/>
+              <a:t>Reiterate </a:t>
+            </a:r>
+            <a:r>
+              <a:rPr lang="en-US" dirty="0"/>
+              <a:t>the clusters until you notice that your solution doesn’t </a:t>
+            </a:r>
+            <a:r>
+              <a:rPr lang="en-US" dirty="0" smtClean="0"/>
+              <a:t>change anymore</a:t>
+            </a:r>
+          </a:p>
+          <a:p>
+            <a:pPr marL="457200" indent="-457200">
+              <a:buFont typeface="+mj-lt"/>
+              <a:buAutoNum type="arabicPeriod"/>
+            </a:pPr>
+            <a:endParaRPr lang="en-US" dirty="0"/>
           </a:p>
         </p:txBody>
       </p:sp>
     </p:spTree>
     <p:extLst>
       <p:ext uri="{BB962C8B-B14F-4D97-AF65-F5344CB8AC3E}">
-        <p14:creationId xmlns:p14="http://schemas.microsoft.com/office/powerpoint/2010/main" val="2782388530"/>
+        <p14:creationId xmlns:p14="http://schemas.microsoft.com/office/powerpoint/2010/main" val="4196761225"/>
       </p:ext>
     </p:extLst>
   </p:cSld>
@@ -5171,6 +5798,1185 @@
       </p:grpSpPr>
       <p:sp>
         <p:nvSpPr>
+          <p:cNvPr id="2" name="Title 1"/>
+          <p:cNvSpPr>
+            <a:spLocks noGrp="1"/>
+          </p:cNvSpPr>
+          <p:nvPr>
+            <p:ph type="title"/>
+          </p:nvPr>
+        </p:nvSpPr>
+        <p:spPr/>
+        <p:txBody>
+          <a:bodyPr/>
+          <a:lstStyle/>
+          <a:p>
+            <a:r>
+              <a:rPr lang="en-US" dirty="0" smtClean="0"/>
+              <a:t>K-Means</a:t>
+            </a:r>
+            <a:endParaRPr lang="he-IL" dirty="0"/>
+          </a:p>
+        </p:txBody>
+      </p:sp>
+      <p:pic>
+        <p:nvPicPr>
+          <p:cNvPr id="1026" name="Picture 2" descr="Image result for k means gif"/>
+          <p:cNvPicPr>
+            <a:picLocks noGrp="1" noChangeAspect="1" noChangeArrowheads="1" noCrop="1"/>
+          </p:cNvPicPr>
+          <p:nvPr>
+            <p:ph idx="1"/>
+          </p:nvPr>
+        </p:nvPicPr>
+        <p:blipFill>
+          <a:blip r:embed="rId2">
+            <a:extLst>
+              <a:ext uri="{28A0092B-C50C-407E-A947-70E740481C1C}">
+                <a14:useLocalDpi xmlns:a14="http://schemas.microsoft.com/office/drawing/2010/main" val="0"/>
+              </a:ext>
+            </a:extLst>
+          </a:blip>
+          <a:srcRect/>
+          <a:stretch>
+            <a:fillRect/>
+          </a:stretch>
+        </p:blipFill>
+        <p:spPr bwMode="auto">
+          <a:xfrm>
+            <a:off x="3445669" y="2468562"/>
+            <a:ext cx="4876800" cy="3657600"/>
+          </a:xfrm>
+          <a:prstGeom prst="rect">
+            <a:avLst/>
+          </a:prstGeom>
+          <a:noFill/>
+          <a:extLst>
+            <a:ext uri="{909E8E84-426E-40DD-AFC4-6F175D3DCCD1}">
+              <a14:hiddenFill xmlns:a14="http://schemas.microsoft.com/office/drawing/2010/main">
+                <a:solidFill>
+                  <a:srgbClr val="FFFFFF"/>
+                </a:solidFill>
+              </a14:hiddenFill>
+            </a:ext>
+          </a:extLst>
+        </p:spPr>
+      </p:pic>
+      <p:sp>
+        <p:nvSpPr>
+          <p:cNvPr id="4" name="TextBox 3"/>
+          <p:cNvSpPr txBox="1"/>
+          <p:nvPr/>
+        </p:nvSpPr>
+        <p:spPr>
+          <a:xfrm>
+            <a:off x="6281057" y="6477001"/>
+            <a:ext cx="5747657" cy="276999"/>
+          </a:xfrm>
+          <a:prstGeom prst="rect">
+            <a:avLst/>
+          </a:prstGeom>
+          <a:noFill/>
+        </p:spPr>
+        <p:txBody>
+          <a:bodyPr wrap="square" rtlCol="1">
+            <a:spAutoFit/>
+          </a:bodyPr>
+          <a:lstStyle/>
+          <a:p>
+            <a:pPr algn="r"/>
+            <a:r>
+              <a:rPr lang="en-US" sz="1200" dirty="0"/>
+              <a:t>Source: </a:t>
+            </a:r>
+            <a:r>
+              <a:rPr lang="en-US" sz="1200" dirty="0">
+                <a:hlinkClick r:id="rId3"/>
+              </a:rPr>
+              <a:t>http://</a:t>
+            </a:r>
+            <a:r>
+              <a:rPr lang="en-US" sz="1200" dirty="0" smtClean="0">
+                <a:hlinkClick r:id="rId3"/>
+              </a:rPr>
+              <a:t>mcla.ug/blog/k-means-clustering.html</a:t>
+            </a:r>
+            <a:endParaRPr lang="he-IL" sz="1200" dirty="0"/>
+          </a:p>
+        </p:txBody>
+      </p:sp>
+    </p:spTree>
+    <p:extLst>
+      <p:ext uri="{BB962C8B-B14F-4D97-AF65-F5344CB8AC3E}">
+        <p14:creationId xmlns:p14="http://schemas.microsoft.com/office/powerpoint/2010/main" val="4261757474"/>
+      </p:ext>
+    </p:extLst>
+  </p:cSld>
+  <p:clrMapOvr>
+    <a:masterClrMapping/>
+  </p:clrMapOvr>
+  <p:timing>
+    <p:tnLst>
+      <p:par>
+        <p:cTn id="1" dur="indefinite" restart="never" nodeType="tmRoot"/>
+      </p:par>
+    </p:tnLst>
+  </p:timing>
+</p:sld>
+</file>
+
+<file path=ppt/slides/slide4.xml><?xml version="1.0" encoding="utf-8"?>
+<p:sld xmlns:a="http://schemas.openxmlformats.org/drawingml/2006/main" xmlns:r="http://schemas.openxmlformats.org/officeDocument/2006/relationships" xmlns:p="http://schemas.openxmlformats.org/presentationml/2006/main">
+  <p:cSld>
+    <p:spTree>
+      <p:nvGrpSpPr>
+        <p:cNvPr id="1" name=""/>
+        <p:cNvGrpSpPr/>
+        <p:nvPr/>
+      </p:nvGrpSpPr>
+      <p:grpSpPr>
+        <a:xfrm>
+          <a:off x="0" y="0"/>
+          <a:ext cx="0" cy="0"/>
+          <a:chOff x="0" y="0"/>
+          <a:chExt cx="0" cy="0"/>
+        </a:xfrm>
+      </p:grpSpPr>
+      <p:sp>
+        <p:nvSpPr>
+          <p:cNvPr id="2" name="Title 1"/>
+          <p:cNvSpPr>
+            <a:spLocks noGrp="1"/>
+          </p:cNvSpPr>
+          <p:nvPr>
+            <p:ph type="title"/>
+          </p:nvPr>
+        </p:nvSpPr>
+        <p:spPr/>
+        <p:txBody>
+          <a:bodyPr/>
+          <a:lstStyle/>
+          <a:p>
+            <a:r>
+              <a:rPr lang="en-US" dirty="0" smtClean="0"/>
+              <a:t>K-Means</a:t>
+            </a:r>
+            <a:endParaRPr lang="he-IL" dirty="0"/>
+          </a:p>
+        </p:txBody>
+      </p:sp>
+      <p:sp>
+        <p:nvSpPr>
+          <p:cNvPr id="3" name="Content Placeholder 2"/>
+          <p:cNvSpPr>
+            <a:spLocks noGrp="1"/>
+          </p:cNvSpPr>
+          <p:nvPr>
+            <p:ph idx="1"/>
+          </p:nvPr>
+        </p:nvSpPr>
+        <p:spPr/>
+        <p:txBody>
+          <a:bodyPr/>
+          <a:lstStyle/>
+          <a:p>
+            <a:pPr marL="457200" indent="-457200">
+              <a:buFont typeface="+mj-lt"/>
+              <a:buAutoNum type="arabicPeriod"/>
+            </a:pPr>
+            <a:r>
+              <a:rPr lang="en-US" dirty="0" smtClean="0"/>
+              <a:t>Assumes that a class has a “centroid”</a:t>
+            </a:r>
+          </a:p>
+          <a:p>
+            <a:pPr marL="457200" indent="-457200">
+              <a:buFont typeface="+mj-lt"/>
+              <a:buAutoNum type="arabicPeriod"/>
+            </a:pPr>
+            <a:r>
+              <a:rPr lang="en-US" dirty="0" smtClean="0"/>
+              <a:t>Will find clusters even if none exist!</a:t>
+            </a:r>
+          </a:p>
+          <a:p>
+            <a:pPr marL="457200" indent="-457200">
+              <a:buFont typeface="+mj-lt"/>
+              <a:buAutoNum type="arabicPeriod"/>
+            </a:pPr>
+            <a:r>
+              <a:rPr lang="en-US" dirty="0"/>
+              <a:t>How is distance computed?</a:t>
+            </a:r>
+            <a:endParaRPr lang="he-IL" dirty="0"/>
+          </a:p>
+          <a:p>
+            <a:pPr marL="457200" indent="-457200">
+              <a:buFont typeface="+mj-lt"/>
+              <a:buAutoNum type="arabicPeriod"/>
+            </a:pPr>
+            <a:r>
+              <a:rPr lang="en-US" dirty="0" smtClean="0"/>
+              <a:t>What if features are scaled?</a:t>
+            </a:r>
+          </a:p>
+          <a:p>
+            <a:pPr marL="457200" indent="-457200">
+              <a:buFont typeface="+mj-lt"/>
+              <a:buAutoNum type="arabicPeriod"/>
+            </a:pPr>
+            <a:r>
+              <a:rPr lang="en-US" dirty="0" smtClean="0"/>
+              <a:t>When to stop iterating?</a:t>
+            </a:r>
+          </a:p>
+          <a:p>
+            <a:pPr marL="0" indent="0">
+              <a:buNone/>
+            </a:pPr>
+            <a:endParaRPr lang="he-IL" dirty="0"/>
+          </a:p>
+        </p:txBody>
+      </p:sp>
+    </p:spTree>
+    <p:extLst>
+      <p:ext uri="{BB962C8B-B14F-4D97-AF65-F5344CB8AC3E}">
+        <p14:creationId xmlns:p14="http://schemas.microsoft.com/office/powerpoint/2010/main" val="2782388530"/>
+      </p:ext>
+    </p:extLst>
+  </p:cSld>
+  <p:clrMapOvr>
+    <a:masterClrMapping/>
+  </p:clrMapOvr>
+</p:sld>
+</file>
+
+<file path=ppt/slides/slide5.xml><?xml version="1.0" encoding="utf-8"?>
+<p:sld xmlns:a="http://schemas.openxmlformats.org/drawingml/2006/main" xmlns:r="http://schemas.openxmlformats.org/officeDocument/2006/relationships" xmlns:p="http://schemas.openxmlformats.org/presentationml/2006/main">
+  <p:cSld>
+    <p:spTree>
+      <p:nvGrpSpPr>
+        <p:cNvPr id="1" name=""/>
+        <p:cNvGrpSpPr/>
+        <p:nvPr/>
+      </p:nvGrpSpPr>
+      <p:grpSpPr>
+        <a:xfrm>
+          <a:off x="0" y="0"/>
+          <a:ext cx="0" cy="0"/>
+          <a:chOff x="0" y="0"/>
+          <a:chExt cx="0" cy="0"/>
+        </a:xfrm>
+      </p:grpSpPr>
+      <p:sp>
+        <p:nvSpPr>
+          <p:cNvPr id="2" name="Title 1"/>
+          <p:cNvSpPr>
+            <a:spLocks noGrp="1"/>
+          </p:cNvSpPr>
+          <p:nvPr>
+            <p:ph type="title"/>
+          </p:nvPr>
+        </p:nvSpPr>
+        <p:spPr/>
+        <p:txBody>
+          <a:bodyPr/>
+          <a:lstStyle/>
+          <a:p>
+            <a:r>
+              <a:rPr lang="en-US" dirty="0" smtClean="0"/>
+              <a:t>Distance Metrics</a:t>
+            </a:r>
+            <a:endParaRPr lang="he-IL" dirty="0"/>
+          </a:p>
+        </p:txBody>
+      </p:sp>
+      <p:graphicFrame>
+        <p:nvGraphicFramePr>
+          <p:cNvPr id="5" name="Content Placeholder 4"/>
+          <p:cNvGraphicFramePr>
+            <a:graphicFrameLocks noGrp="1"/>
+          </p:cNvGraphicFramePr>
+          <p:nvPr>
+            <p:ph idx="1"/>
+            <p:extLst/>
+          </p:nvPr>
+        </p:nvGraphicFramePr>
+        <p:xfrm>
+          <a:off x="1023939" y="2286000"/>
+          <a:ext cx="4387306" cy="4023360"/>
+        </p:xfrm>
+        <a:graphic>
+          <a:graphicData uri="http://schemas.openxmlformats.org/drawingml/2006/table">
+            <a:tbl>
+              <a:tblPr rtl="1" bandRow="1">
+                <a:tableStyleId>{5C22544A-7EE6-4342-B048-85BDC9FD1C3A}</a:tableStyleId>
+              </a:tblPr>
+              <a:tblGrid>
+                <a:gridCol w="2669264"/>
+                <a:gridCol w="1718042"/>
+              </a:tblGrid>
+              <a:tr h="370840">
+                <a:tc>
+                  <a:txBody>
+                    <a:bodyPr/>
+                    <a:lstStyle/>
+                    <a:p>
+                      <a:endParaRPr lang="en-US" dirty="0" smtClean="0"/>
+                    </a:p>
+                    <a:p>
+                      <a:endParaRPr lang="en-US" dirty="0" smtClean="0"/>
+                    </a:p>
+                    <a:p>
+                      <a:endParaRPr lang="he-IL" dirty="0" smtClean="0"/>
+                    </a:p>
+                  </a:txBody>
+                  <a:tcPr/>
+                </a:tc>
+                <a:tc>
+                  <a:txBody>
+                    <a:bodyPr/>
+                    <a:lstStyle/>
+                    <a:p>
+                      <a:pPr marL="0" marR="0" indent="0" algn="l" defTabSz="914400" rtl="1" eaLnBrk="1" fontAlgn="auto" latinLnBrk="0" hangingPunct="1">
+                        <a:lnSpc>
+                          <a:spcPct val="100000"/>
+                        </a:lnSpc>
+                        <a:spcBef>
+                          <a:spcPts val="0"/>
+                        </a:spcBef>
+                        <a:spcAft>
+                          <a:spcPts val="0"/>
+                        </a:spcAft>
+                        <a:buClrTx/>
+                        <a:buSzTx/>
+                        <a:buFontTx/>
+                        <a:buNone/>
+                        <a:tabLst/>
+                        <a:defRPr/>
+                      </a:pPr>
+                      <a:r>
+                        <a:rPr lang="en-US" dirty="0" smtClean="0"/>
+                        <a:t>Manhattan distance</a:t>
+                      </a:r>
+                    </a:p>
+                  </a:txBody>
+                  <a:tcPr/>
+                </a:tc>
+              </a:tr>
+              <a:tr h="370840">
+                <a:tc>
+                  <a:txBody>
+                    <a:bodyPr/>
+                    <a:lstStyle/>
+                    <a:p>
+                      <a:pPr rtl="1"/>
+                      <a:endParaRPr lang="en-US" dirty="0" smtClean="0"/>
+                    </a:p>
+                    <a:p>
+                      <a:pPr rtl="1"/>
+                      <a:endParaRPr lang="he-IL" dirty="0"/>
+                    </a:p>
+                  </a:txBody>
+                  <a:tcPr/>
+                </a:tc>
+                <a:tc>
+                  <a:txBody>
+                    <a:bodyPr/>
+                    <a:lstStyle/>
+                    <a:p>
+                      <a:pPr rtl="1"/>
+                      <a:r>
+                        <a:rPr lang="en-US" dirty="0" smtClean="0"/>
+                        <a:t>Euclidean</a:t>
+                      </a:r>
+                      <a:endParaRPr lang="he-IL" dirty="0"/>
+                    </a:p>
+                  </a:txBody>
+                  <a:tcPr/>
+                </a:tc>
+              </a:tr>
+              <a:tr h="370840">
+                <a:tc>
+                  <a:txBody>
+                    <a:bodyPr/>
+                    <a:lstStyle/>
+                    <a:p>
+                      <a:pPr rtl="1"/>
+                      <a:endParaRPr lang="en-US" dirty="0" smtClean="0"/>
+                    </a:p>
+                    <a:p>
+                      <a:pPr rtl="1"/>
+                      <a:endParaRPr lang="en-US" dirty="0" smtClean="0"/>
+                    </a:p>
+                    <a:p>
+                      <a:pPr rtl="1"/>
+                      <a:endParaRPr lang="en-US" dirty="0" smtClean="0"/>
+                    </a:p>
+                    <a:p>
+                      <a:pPr rtl="1"/>
+                      <a:endParaRPr lang="he-IL" dirty="0"/>
+                    </a:p>
+                  </a:txBody>
+                  <a:tcPr/>
+                </a:tc>
+                <a:tc>
+                  <a:txBody>
+                    <a:bodyPr/>
+                    <a:lstStyle/>
+                    <a:p>
+                      <a:pPr rtl="1"/>
+                      <a:r>
+                        <a:rPr lang="en-US" dirty="0" err="1" smtClean="0"/>
+                        <a:t>Minkowsky</a:t>
+                      </a:r>
+                      <a:endParaRPr lang="he-IL" dirty="0"/>
+                    </a:p>
+                  </a:txBody>
+                  <a:tcPr/>
+                </a:tc>
+              </a:tr>
+              <a:tr h="370840">
+                <a:tc>
+                  <a:txBody>
+                    <a:bodyPr/>
+                    <a:lstStyle/>
+                    <a:p>
+                      <a:pPr rtl="1"/>
+                      <a:endParaRPr lang="en-US" dirty="0" smtClean="0"/>
+                    </a:p>
+                    <a:p>
+                      <a:pPr rtl="1"/>
+                      <a:endParaRPr lang="he-IL" dirty="0"/>
+                    </a:p>
+                  </a:txBody>
+                  <a:tcPr/>
+                </a:tc>
+                <a:tc>
+                  <a:txBody>
+                    <a:bodyPr/>
+                    <a:lstStyle/>
+                    <a:p>
+                      <a:pPr rtl="1"/>
+                      <a:r>
+                        <a:rPr lang="en-US" dirty="0" err="1" smtClean="0"/>
+                        <a:t>Chebyshev</a:t>
+                      </a:r>
+                      <a:endParaRPr lang="he-IL" dirty="0"/>
+                    </a:p>
+                  </a:txBody>
+                  <a:tcPr/>
+                </a:tc>
+              </a:tr>
+              <a:tr h="370840">
+                <a:tc>
+                  <a:txBody>
+                    <a:bodyPr/>
+                    <a:lstStyle/>
+                    <a:p>
+                      <a:pPr rtl="1"/>
+                      <a:endParaRPr lang="en-US" dirty="0" smtClean="0"/>
+                    </a:p>
+                    <a:p>
+                      <a:pPr rtl="1"/>
+                      <a:endParaRPr lang="he-IL" dirty="0"/>
+                    </a:p>
+                  </a:txBody>
+                  <a:tcPr/>
+                </a:tc>
+                <a:tc>
+                  <a:txBody>
+                    <a:bodyPr/>
+                    <a:lstStyle/>
+                    <a:p>
+                      <a:pPr rtl="1"/>
+                      <a:r>
+                        <a:rPr lang="en-US" dirty="0" err="1" smtClean="0"/>
+                        <a:t>Mahalanobis</a:t>
+                      </a:r>
+                      <a:endParaRPr lang="he-IL" dirty="0"/>
+                    </a:p>
+                  </a:txBody>
+                  <a:tcPr/>
+                </a:tc>
+              </a:tr>
+            </a:tbl>
+          </a:graphicData>
+        </a:graphic>
+      </p:graphicFrame>
+      <p:pic>
+        <p:nvPicPr>
+          <p:cNvPr id="7" name="Picture 6"/>
+          <p:cNvPicPr>
+            <a:picLocks noChangeAspect="1"/>
+          </p:cNvPicPr>
+          <p:nvPr/>
+        </p:nvPicPr>
+        <p:blipFill>
+          <a:blip r:embed="rId2"/>
+          <a:stretch>
+            <a:fillRect/>
+          </a:stretch>
+        </p:blipFill>
+        <p:spPr>
+          <a:xfrm>
+            <a:off x="3087993" y="3910208"/>
+            <a:ext cx="1819275" cy="1066800"/>
+          </a:xfrm>
+          <a:prstGeom prst="rect">
+            <a:avLst/>
+          </a:prstGeom>
+        </p:spPr>
+      </p:pic>
+      <p:pic>
+        <p:nvPicPr>
+          <p:cNvPr id="8" name="Picture 7"/>
+          <p:cNvPicPr>
+            <a:picLocks noChangeAspect="1"/>
+          </p:cNvPicPr>
+          <p:nvPr/>
+        </p:nvPicPr>
+        <p:blipFill>
+          <a:blip r:embed="rId3"/>
+          <a:stretch>
+            <a:fillRect/>
+          </a:stretch>
+        </p:blipFill>
+        <p:spPr>
+          <a:xfrm>
+            <a:off x="3087993" y="2416219"/>
+            <a:ext cx="1466850" cy="647700"/>
+          </a:xfrm>
+          <a:prstGeom prst="rect">
+            <a:avLst/>
+          </a:prstGeom>
+        </p:spPr>
+      </p:pic>
+      <p:pic>
+        <p:nvPicPr>
+          <p:cNvPr id="9" name="Picture 8"/>
+          <p:cNvPicPr>
+            <a:picLocks noChangeAspect="1"/>
+          </p:cNvPicPr>
+          <p:nvPr/>
+        </p:nvPicPr>
+        <p:blipFill>
+          <a:blip r:embed="rId4"/>
+          <a:stretch>
+            <a:fillRect/>
+          </a:stretch>
+        </p:blipFill>
+        <p:spPr>
+          <a:xfrm>
+            <a:off x="3087993" y="3283319"/>
+            <a:ext cx="1857375" cy="466725"/>
+          </a:xfrm>
+          <a:prstGeom prst="rect">
+            <a:avLst/>
+          </a:prstGeom>
+        </p:spPr>
+      </p:pic>
+      <p:pic>
+        <p:nvPicPr>
+          <p:cNvPr id="10" name="Picture 9"/>
+          <p:cNvPicPr>
+            <a:picLocks noChangeAspect="1"/>
+          </p:cNvPicPr>
+          <p:nvPr/>
+        </p:nvPicPr>
+        <p:blipFill>
+          <a:blip r:embed="rId5"/>
+          <a:stretch>
+            <a:fillRect/>
+          </a:stretch>
+        </p:blipFill>
+        <p:spPr>
+          <a:xfrm>
+            <a:off x="3087993" y="5139455"/>
+            <a:ext cx="1724025" cy="361950"/>
+          </a:xfrm>
+          <a:prstGeom prst="rect">
+            <a:avLst/>
+          </a:prstGeom>
+        </p:spPr>
+      </p:pic>
+      <p:pic>
+        <p:nvPicPr>
+          <p:cNvPr id="15" name="Picture 14"/>
+          <p:cNvPicPr>
+            <a:picLocks noChangeAspect="1"/>
+          </p:cNvPicPr>
+          <p:nvPr/>
+        </p:nvPicPr>
+        <p:blipFill>
+          <a:blip r:embed="rId6"/>
+          <a:stretch>
+            <a:fillRect/>
+          </a:stretch>
+        </p:blipFill>
+        <p:spPr>
+          <a:xfrm>
+            <a:off x="3087993" y="5756231"/>
+            <a:ext cx="2095500" cy="381000"/>
+          </a:xfrm>
+          <a:prstGeom prst="rect">
+            <a:avLst/>
+          </a:prstGeom>
+        </p:spPr>
+      </p:pic>
+      <p:graphicFrame>
+        <p:nvGraphicFramePr>
+          <p:cNvPr id="16" name="Content Placeholder 4"/>
+          <p:cNvGraphicFramePr>
+            <a:graphicFrameLocks/>
+          </p:cNvGraphicFramePr>
+          <p:nvPr>
+            <p:extLst/>
+          </p:nvPr>
+        </p:nvGraphicFramePr>
+        <p:xfrm>
+          <a:off x="5723287" y="2275562"/>
+          <a:ext cx="4911310" cy="3931920"/>
+        </p:xfrm>
+        <a:graphic>
+          <a:graphicData uri="http://schemas.openxmlformats.org/drawingml/2006/table">
+            <a:tbl>
+              <a:tblPr rtl="1" bandRow="1">
+                <a:tableStyleId>{5C22544A-7EE6-4342-B048-85BDC9FD1C3A}</a:tableStyleId>
+              </a:tblPr>
+              <a:tblGrid>
+                <a:gridCol w="2988071"/>
+                <a:gridCol w="1923239"/>
+              </a:tblGrid>
+              <a:tr h="370840">
+                <a:tc>
+                  <a:txBody>
+                    <a:bodyPr/>
+                    <a:lstStyle/>
+                    <a:p>
+                      <a:endParaRPr lang="en-US" dirty="0" smtClean="0"/>
+                    </a:p>
+                    <a:p>
+                      <a:endParaRPr lang="en-US" dirty="0" smtClean="0"/>
+                    </a:p>
+                    <a:p>
+                      <a:endParaRPr lang="en-US" dirty="0" smtClean="0"/>
+                    </a:p>
+                    <a:p>
+                      <a:endParaRPr lang="he-IL" dirty="0" smtClean="0"/>
+                    </a:p>
+                  </a:txBody>
+                  <a:tcPr/>
+                </a:tc>
+                <a:tc>
+                  <a:txBody>
+                    <a:bodyPr/>
+                    <a:lstStyle/>
+                    <a:p>
+                      <a:pPr marL="0" marR="0" indent="0" algn="l" defTabSz="914400" rtl="1" eaLnBrk="1" fontAlgn="auto" latinLnBrk="0" hangingPunct="1">
+                        <a:lnSpc>
+                          <a:spcPct val="100000"/>
+                        </a:lnSpc>
+                        <a:spcBef>
+                          <a:spcPts val="0"/>
+                        </a:spcBef>
+                        <a:spcAft>
+                          <a:spcPts val="0"/>
+                        </a:spcAft>
+                        <a:buClrTx/>
+                        <a:buSzTx/>
+                        <a:buFontTx/>
+                        <a:buNone/>
+                        <a:tabLst/>
+                        <a:defRPr/>
+                      </a:pPr>
+                      <a:r>
+                        <a:rPr lang="en-US" dirty="0" smtClean="0"/>
+                        <a:t>Cosine</a:t>
+                      </a:r>
+                    </a:p>
+                  </a:txBody>
+                  <a:tcPr/>
+                </a:tc>
+              </a:tr>
+              <a:tr h="370840">
+                <a:tc>
+                  <a:txBody>
+                    <a:bodyPr/>
+                    <a:lstStyle/>
+                    <a:p>
+                      <a:pPr rtl="1"/>
+                      <a:endParaRPr lang="en-US" dirty="0" smtClean="0"/>
+                    </a:p>
+                    <a:p>
+                      <a:pPr rtl="1"/>
+                      <a:endParaRPr lang="en-US" dirty="0" smtClean="0"/>
+                    </a:p>
+                    <a:p>
+                      <a:pPr rtl="1"/>
+                      <a:endParaRPr lang="he-IL" dirty="0"/>
+                    </a:p>
+                  </a:txBody>
+                  <a:tcPr/>
+                </a:tc>
+                <a:tc>
+                  <a:txBody>
+                    <a:bodyPr/>
+                    <a:lstStyle/>
+                    <a:p>
+                      <a:pPr rtl="1"/>
+                      <a:r>
+                        <a:rPr lang="en-US" dirty="0" smtClean="0"/>
+                        <a:t>Hamming</a:t>
+                      </a:r>
+                      <a:endParaRPr lang="he-IL" dirty="0"/>
+                    </a:p>
+                  </a:txBody>
+                  <a:tcPr/>
+                </a:tc>
+              </a:tr>
+              <a:tr h="370840">
+                <a:tc>
+                  <a:txBody>
+                    <a:bodyPr/>
+                    <a:lstStyle/>
+                    <a:p>
+                      <a:pPr rtl="1"/>
+                      <a:endParaRPr lang="en-US" dirty="0" smtClean="0"/>
+                    </a:p>
+                    <a:p>
+                      <a:pPr rtl="1"/>
+                      <a:endParaRPr lang="en-US" dirty="0" smtClean="0"/>
+                    </a:p>
+                    <a:p>
+                      <a:pPr rtl="1"/>
+                      <a:endParaRPr lang="he-IL" dirty="0"/>
+                    </a:p>
+                  </a:txBody>
+                  <a:tcPr/>
+                </a:tc>
+                <a:tc>
+                  <a:txBody>
+                    <a:bodyPr/>
+                    <a:lstStyle/>
+                    <a:p>
+                      <a:pPr rtl="1"/>
+                      <a:r>
+                        <a:rPr lang="en-US" dirty="0" err="1" smtClean="0"/>
+                        <a:t>Jaccard</a:t>
+                      </a:r>
+                      <a:endParaRPr lang="he-IL" dirty="0"/>
+                    </a:p>
+                  </a:txBody>
+                  <a:tcPr/>
+                </a:tc>
+              </a:tr>
+              <a:tr h="370840">
+                <a:tc>
+                  <a:txBody>
+                    <a:bodyPr/>
+                    <a:lstStyle/>
+                    <a:p>
+                      <a:pPr rtl="1"/>
+                      <a:endParaRPr lang="en-US" dirty="0" smtClean="0"/>
+                    </a:p>
+                    <a:p>
+                      <a:pPr rtl="1"/>
+                      <a:endParaRPr lang="en-US" dirty="0" smtClean="0"/>
+                    </a:p>
+                    <a:p>
+                      <a:pPr rtl="1"/>
+                      <a:endParaRPr lang="he-IL" dirty="0"/>
+                    </a:p>
+                  </a:txBody>
+                  <a:tcPr/>
+                </a:tc>
+                <a:tc>
+                  <a:txBody>
+                    <a:bodyPr/>
+                    <a:lstStyle/>
+                    <a:p>
+                      <a:pPr rtl="1"/>
+                      <a:r>
+                        <a:rPr lang="en-US" dirty="0" smtClean="0"/>
+                        <a:t>Spearman</a:t>
+                      </a:r>
+                      <a:endParaRPr lang="he-IL" dirty="0"/>
+                    </a:p>
+                  </a:txBody>
+                  <a:tcPr/>
+                </a:tc>
+              </a:tr>
+            </a:tbl>
+          </a:graphicData>
+        </a:graphic>
+      </p:graphicFrame>
+      <p:pic>
+        <p:nvPicPr>
+          <p:cNvPr id="11" name="Picture 10"/>
+          <p:cNvPicPr>
+            <a:picLocks noChangeAspect="1"/>
+          </p:cNvPicPr>
+          <p:nvPr/>
+        </p:nvPicPr>
+        <p:blipFill>
+          <a:blip r:embed="rId7"/>
+          <a:stretch>
+            <a:fillRect/>
+          </a:stretch>
+        </p:blipFill>
+        <p:spPr>
+          <a:xfrm>
+            <a:off x="7548237" y="2393841"/>
+            <a:ext cx="2238375" cy="942975"/>
+          </a:xfrm>
+          <a:prstGeom prst="rect">
+            <a:avLst/>
+          </a:prstGeom>
+        </p:spPr>
+      </p:pic>
+      <p:pic>
+        <p:nvPicPr>
+          <p:cNvPr id="12" name="Picture 11"/>
+          <p:cNvPicPr>
+            <a:picLocks noChangeAspect="1"/>
+          </p:cNvPicPr>
+          <p:nvPr/>
+        </p:nvPicPr>
+        <p:blipFill>
+          <a:blip r:embed="rId8"/>
+          <a:stretch>
+            <a:fillRect/>
+          </a:stretch>
+        </p:blipFill>
+        <p:spPr>
+          <a:xfrm>
+            <a:off x="7548237" y="4479489"/>
+            <a:ext cx="2857500" cy="704850"/>
+          </a:xfrm>
+          <a:prstGeom prst="rect">
+            <a:avLst/>
+          </a:prstGeom>
+        </p:spPr>
+      </p:pic>
+      <p:pic>
+        <p:nvPicPr>
+          <p:cNvPr id="13" name="Picture 12"/>
+          <p:cNvPicPr>
+            <a:picLocks noChangeAspect="1"/>
+          </p:cNvPicPr>
+          <p:nvPr/>
+        </p:nvPicPr>
+        <p:blipFill>
+          <a:blip r:embed="rId9"/>
+          <a:stretch>
+            <a:fillRect/>
+          </a:stretch>
+        </p:blipFill>
+        <p:spPr>
+          <a:xfrm>
+            <a:off x="7548237" y="5457563"/>
+            <a:ext cx="2790825" cy="552450"/>
+          </a:xfrm>
+          <a:prstGeom prst="rect">
+            <a:avLst/>
+          </a:prstGeom>
+        </p:spPr>
+      </p:pic>
+      <p:pic>
+        <p:nvPicPr>
+          <p:cNvPr id="14" name="Picture 13"/>
+          <p:cNvPicPr>
+            <a:picLocks noChangeAspect="1"/>
+          </p:cNvPicPr>
+          <p:nvPr/>
+        </p:nvPicPr>
+        <p:blipFill>
+          <a:blip r:embed="rId10"/>
+          <a:stretch>
+            <a:fillRect/>
+          </a:stretch>
+        </p:blipFill>
+        <p:spPr>
+          <a:xfrm>
+            <a:off x="7548237" y="3616238"/>
+            <a:ext cx="1581150" cy="552450"/>
+          </a:xfrm>
+          <a:prstGeom prst="rect">
+            <a:avLst/>
+          </a:prstGeom>
+        </p:spPr>
+      </p:pic>
+    </p:spTree>
+    <p:extLst>
+      <p:ext uri="{BB962C8B-B14F-4D97-AF65-F5344CB8AC3E}">
+        <p14:creationId xmlns:p14="http://schemas.microsoft.com/office/powerpoint/2010/main" val="1265133412"/>
+      </p:ext>
+    </p:extLst>
+  </p:cSld>
+  <p:clrMapOvr>
+    <a:masterClrMapping/>
+  </p:clrMapOvr>
+  <p:timing>
+    <p:tnLst>
+      <p:par>
+        <p:cTn id="1" dur="indefinite" restart="never" nodeType="tmRoot"/>
+      </p:par>
+    </p:tnLst>
+  </p:timing>
+</p:sld>
+</file>
+
+<file path=ppt/slides/slide6.xml><?xml version="1.0" encoding="utf-8"?>
+<p:sld xmlns:a="http://schemas.openxmlformats.org/drawingml/2006/main" xmlns:r="http://schemas.openxmlformats.org/officeDocument/2006/relationships" xmlns:p="http://schemas.openxmlformats.org/presentationml/2006/main">
+  <p:cSld>
+    <p:spTree>
+      <p:nvGrpSpPr>
+        <p:cNvPr id="1" name=""/>
+        <p:cNvGrpSpPr/>
+        <p:nvPr/>
+      </p:nvGrpSpPr>
+      <p:grpSpPr>
+        <a:xfrm>
+          <a:off x="0" y="0"/>
+          <a:ext cx="0" cy="0"/>
+          <a:chOff x="0" y="0"/>
+          <a:chExt cx="0" cy="0"/>
+        </a:xfrm>
+      </p:grpSpPr>
+      <p:sp>
+        <p:nvSpPr>
+          <p:cNvPr id="2" name="Title 1"/>
+          <p:cNvSpPr>
+            <a:spLocks noGrp="1"/>
+          </p:cNvSpPr>
+          <p:nvPr>
+            <p:ph type="title"/>
+          </p:nvPr>
+        </p:nvSpPr>
+        <p:spPr/>
+        <p:txBody>
+          <a:bodyPr/>
+          <a:lstStyle/>
+          <a:p>
+            <a:r>
+              <a:rPr lang="en-US" dirty="0" smtClean="0"/>
+              <a:t>Cosine Distance (/ Similarity)</a:t>
+            </a:r>
+            <a:endParaRPr lang="he-IL" dirty="0"/>
+          </a:p>
+        </p:txBody>
+      </p:sp>
+      <p:sp>
+        <p:nvSpPr>
+          <p:cNvPr id="3" name="Content Placeholder 2"/>
+          <p:cNvSpPr>
+            <a:spLocks noGrp="1"/>
+          </p:cNvSpPr>
+          <p:nvPr>
+            <p:ph idx="1"/>
+          </p:nvPr>
+        </p:nvSpPr>
+        <p:spPr/>
+        <p:txBody>
+          <a:bodyPr/>
+          <a:lstStyle/>
+          <a:p>
+            <a:pPr marL="470916" lvl="1" indent="-342900">
+              <a:buFont typeface="+mj-lt"/>
+              <a:buAutoNum type="arabicPeriod"/>
+            </a:pPr>
+            <a:r>
+              <a:rPr lang="en-US" dirty="0"/>
+              <a:t>Take the shape more than the values into account</a:t>
+            </a:r>
+          </a:p>
+          <a:p>
+            <a:pPr marL="470916" lvl="1" indent="-342900">
+              <a:buFont typeface="+mj-lt"/>
+              <a:buAutoNum type="arabicPeriod"/>
+            </a:pPr>
+            <a:r>
+              <a:rPr lang="en-US" dirty="0"/>
+              <a:t>A good choice when there are too many variables and some may not be significant (just noise)</a:t>
+            </a:r>
+          </a:p>
+          <a:p>
+            <a:pPr marL="470916" lvl="1" indent="-342900">
+              <a:buFont typeface="+mj-lt"/>
+              <a:buAutoNum type="arabicPeriod"/>
+            </a:pPr>
+            <a:r>
+              <a:rPr lang="en-US" dirty="0"/>
+              <a:t>tends to associate observations that have the same maximum and minimum variables, regardless of their effective </a:t>
+            </a:r>
+            <a:r>
+              <a:rPr lang="en-US" dirty="0" smtClean="0"/>
+              <a:t>value</a:t>
+            </a:r>
+            <a:endParaRPr lang="he-IL" dirty="0"/>
+          </a:p>
+        </p:txBody>
+      </p:sp>
+    </p:spTree>
+    <p:extLst>
+      <p:ext uri="{BB962C8B-B14F-4D97-AF65-F5344CB8AC3E}">
+        <p14:creationId xmlns:p14="http://schemas.microsoft.com/office/powerpoint/2010/main" val="3674171302"/>
+      </p:ext>
+    </p:extLst>
+  </p:cSld>
+  <p:clrMapOvr>
+    <a:masterClrMapping/>
+  </p:clrMapOvr>
+</p:sld>
+</file>
+
+<file path=ppt/slides/slide7.xml><?xml version="1.0" encoding="utf-8"?>
+<p:sld xmlns:a="http://schemas.openxmlformats.org/drawingml/2006/main" xmlns:r="http://schemas.openxmlformats.org/officeDocument/2006/relationships" xmlns:p="http://schemas.openxmlformats.org/presentationml/2006/main">
+  <p:cSld>
+    <p:spTree>
+      <p:nvGrpSpPr>
+        <p:cNvPr id="1" name=""/>
+        <p:cNvGrpSpPr/>
+        <p:nvPr/>
+      </p:nvGrpSpPr>
+      <p:grpSpPr>
+        <a:xfrm>
+          <a:off x="0" y="0"/>
+          <a:ext cx="0" cy="0"/>
+          <a:chOff x="0" y="0"/>
+          <a:chExt cx="0" cy="0"/>
+        </a:xfrm>
+      </p:grpSpPr>
+      <p:sp>
+        <p:nvSpPr>
+          <p:cNvPr id="2" name="Title 1"/>
+          <p:cNvSpPr>
+            <a:spLocks noGrp="1"/>
+          </p:cNvSpPr>
+          <p:nvPr>
+            <p:ph type="title"/>
+          </p:nvPr>
+        </p:nvSpPr>
+        <p:spPr/>
+        <p:txBody>
+          <a:bodyPr/>
+          <a:lstStyle/>
+          <a:p>
+            <a:r>
+              <a:rPr lang="en-US" dirty="0" smtClean="0"/>
+              <a:t>Choosing K: The Elbow Method</a:t>
+            </a:r>
+            <a:endParaRPr lang="he-IL" dirty="0"/>
+          </a:p>
+        </p:txBody>
+      </p:sp>
+      <p:pic>
+        <p:nvPicPr>
+          <p:cNvPr id="2050" name="Picture 2" descr="http://uc-r.github.io/public/images/analytics/clustering/kmeans/unnamed-chunk-11-1.png"/>
+          <p:cNvPicPr>
+            <a:picLocks noGrp="1" noChangeAspect="1" noChangeArrowheads="1"/>
+          </p:cNvPicPr>
+          <p:nvPr>
+            <p:ph idx="1"/>
+          </p:nvPr>
+        </p:nvPicPr>
+        <p:blipFill>
+          <a:blip r:embed="rId2">
+            <a:extLst>
+              <a:ext uri="{28A0092B-C50C-407E-A947-70E740481C1C}">
+                <a14:useLocalDpi xmlns:a14="http://schemas.microsoft.com/office/drawing/2010/main" val="0"/>
+              </a:ext>
+            </a:extLst>
+          </a:blip>
+          <a:srcRect/>
+          <a:stretch>
+            <a:fillRect/>
+          </a:stretch>
+        </p:blipFill>
+        <p:spPr bwMode="auto">
+          <a:xfrm>
+            <a:off x="2683669" y="2468562"/>
+            <a:ext cx="6400800" cy="3657600"/>
+          </a:xfrm>
+          <a:prstGeom prst="rect">
+            <a:avLst/>
+          </a:prstGeom>
+          <a:noFill/>
+          <a:extLst>
+            <a:ext uri="{909E8E84-426E-40DD-AFC4-6F175D3DCCD1}">
+              <a14:hiddenFill xmlns:a14="http://schemas.microsoft.com/office/drawing/2010/main">
+                <a:solidFill>
+                  <a:srgbClr val="FFFFFF"/>
+                </a:solidFill>
+              </a14:hiddenFill>
+            </a:ext>
+          </a:extLst>
+        </p:spPr>
+      </p:pic>
+      <p:sp>
+        <p:nvSpPr>
+          <p:cNvPr id="5" name="TextBox 4"/>
+          <p:cNvSpPr txBox="1"/>
+          <p:nvPr/>
+        </p:nvSpPr>
+        <p:spPr>
+          <a:xfrm>
+            <a:off x="6281057" y="6477001"/>
+            <a:ext cx="5747657" cy="276999"/>
+          </a:xfrm>
+          <a:prstGeom prst="rect">
+            <a:avLst/>
+          </a:prstGeom>
+          <a:noFill/>
+        </p:spPr>
+        <p:txBody>
+          <a:bodyPr wrap="square" rtlCol="1">
+            <a:spAutoFit/>
+          </a:bodyPr>
+          <a:lstStyle/>
+          <a:p>
+            <a:pPr algn="r"/>
+            <a:r>
+              <a:rPr lang="en-US" sz="1200" dirty="0"/>
+              <a:t>Source: http://uc-r.github.io/kmeans_clustering</a:t>
+            </a:r>
+            <a:endParaRPr lang="he-IL" sz="1200" dirty="0"/>
+          </a:p>
+        </p:txBody>
+      </p:sp>
+    </p:spTree>
+    <p:extLst>
+      <p:ext uri="{BB962C8B-B14F-4D97-AF65-F5344CB8AC3E}">
+        <p14:creationId xmlns:p14="http://schemas.microsoft.com/office/powerpoint/2010/main" val="3404987944"/>
+      </p:ext>
+    </p:extLst>
+  </p:cSld>
+  <p:clrMapOvr>
+    <a:masterClrMapping/>
+  </p:clrMapOvr>
+</p:sld>
+</file>
+
+<file path=ppt/slides/slide8.xml><?xml version="1.0" encoding="utf-8"?>
+<p:sld xmlns:a="http://schemas.openxmlformats.org/drawingml/2006/main" xmlns:r="http://schemas.openxmlformats.org/officeDocument/2006/relationships" xmlns:p="http://schemas.openxmlformats.org/presentationml/2006/main">
+  <p:cSld>
+    <p:spTree>
+      <p:nvGrpSpPr>
+        <p:cNvPr id="1" name=""/>
+        <p:cNvGrpSpPr/>
+        <p:nvPr/>
+      </p:nvGrpSpPr>
+      <p:grpSpPr>
+        <a:xfrm>
+          <a:off x="0" y="0"/>
+          <a:ext cx="0" cy="0"/>
+          <a:chOff x="0" y="0"/>
+          <a:chExt cx="0" cy="0"/>
+        </a:xfrm>
+      </p:grpSpPr>
+      <p:sp>
+        <p:nvSpPr>
           <p:cNvPr id="5" name="Title 4"/>
           <p:cNvSpPr>
             <a:spLocks noGrp="1"/>
@@ -5186,7 +6992,7 @@
           <a:p>
             <a:r>
               <a:rPr lang="en-US" dirty="0" smtClean="0"/>
-              <a:t>Inertia</a:t>
+              <a:t>Choosing K: Inertia</a:t>
             </a:r>
             <a:endParaRPr lang="he-IL" dirty="0"/>
           </a:p>
@@ -5234,8 +7040,8 @@
         </p:blipFill>
         <p:spPr>
           <a:xfrm>
-            <a:off x="1034143" y="4466607"/>
-            <a:ext cx="4953000" cy="1569522"/>
+            <a:off x="1088573" y="4425579"/>
+            <a:ext cx="4223657" cy="1338406"/>
           </a:xfrm>
           <a:prstGeom prst="rect">
             <a:avLst/>
@@ -5305,464 +7111,6 @@
     <p:extLst>
       <p:ext uri="{BB962C8B-B14F-4D97-AF65-F5344CB8AC3E}">
         <p14:creationId xmlns:p14="http://schemas.microsoft.com/office/powerpoint/2010/main" val="4003678426"/>
-      </p:ext>
-    </p:extLst>
-  </p:cSld>
-  <p:clrMapOvr>
-    <a:masterClrMapping/>
-  </p:clrMapOvr>
-</p:sld>
-</file>
-
-<file path=ppt/slides/slide4.xml><?xml version="1.0" encoding="utf-8"?>
-<p:sld xmlns:a="http://schemas.openxmlformats.org/drawingml/2006/main" xmlns:r="http://schemas.openxmlformats.org/officeDocument/2006/relationships" xmlns:p="http://schemas.openxmlformats.org/presentationml/2006/main">
-  <p:cSld>
-    <p:spTree>
-      <p:nvGrpSpPr>
-        <p:cNvPr id="1" name=""/>
-        <p:cNvGrpSpPr/>
-        <p:nvPr/>
-      </p:nvGrpSpPr>
-      <p:grpSpPr>
-        <a:xfrm>
-          <a:off x="0" y="0"/>
-          <a:ext cx="0" cy="0"/>
-          <a:chOff x="0" y="0"/>
-          <a:chExt cx="0" cy="0"/>
-        </a:xfrm>
-      </p:grpSpPr>
-      <p:sp>
-        <p:nvSpPr>
-          <p:cNvPr id="2" name="Title 1"/>
-          <p:cNvSpPr>
-            <a:spLocks noGrp="1"/>
-          </p:cNvSpPr>
-          <p:nvPr>
-            <p:ph type="title"/>
-          </p:nvPr>
-        </p:nvSpPr>
-        <p:spPr/>
-        <p:txBody>
-          <a:bodyPr/>
-          <a:lstStyle/>
-          <a:p>
-            <a:r>
-              <a:rPr lang="en-US" dirty="0" smtClean="0"/>
-              <a:t>Centroid-based Algorithms</a:t>
-            </a:r>
-            <a:endParaRPr lang="he-IL" dirty="0"/>
-          </a:p>
-        </p:txBody>
-      </p:sp>
-      <p:sp>
-        <p:nvSpPr>
-          <p:cNvPr id="3" name="Content Placeholder 2"/>
-          <p:cNvSpPr>
-            <a:spLocks noGrp="1"/>
-          </p:cNvSpPr>
-          <p:nvPr>
-            <p:ph idx="1"/>
-          </p:nvPr>
-        </p:nvSpPr>
-        <p:spPr/>
-        <p:txBody>
-          <a:bodyPr/>
-          <a:lstStyle/>
-          <a:p>
-            <a:r>
-              <a:rPr lang="en-US" dirty="0"/>
-              <a:t>1. Guess a K number of clusters</a:t>
-            </a:r>
-            <a:r>
-              <a:rPr lang="en-US" dirty="0" smtClean="0"/>
-              <a:t>.</a:t>
-            </a:r>
-          </a:p>
-          <a:p>
-            <a:r>
-              <a:rPr lang="en-US" dirty="0"/>
-              <a:t>2. Form the initial clusters</a:t>
-            </a:r>
-            <a:r>
-              <a:rPr lang="en-US" dirty="0" smtClean="0"/>
-              <a:t>.</a:t>
-            </a:r>
-          </a:p>
-          <a:p>
-            <a:r>
-              <a:rPr lang="en-US" dirty="0"/>
-              <a:t>3. Reiterate the clusters until you notice that your solution doesn’t change</a:t>
-            </a:r>
-          </a:p>
-          <a:p>
-            <a:r>
-              <a:rPr lang="en-US" dirty="0"/>
-              <a:t>anymore</a:t>
-            </a:r>
-            <a:r>
-              <a:rPr lang="en-US" dirty="0" smtClean="0"/>
-              <a:t>.</a:t>
-            </a:r>
-          </a:p>
-          <a:p>
-            <a:endParaRPr lang="en-US" dirty="0"/>
-          </a:p>
-        </p:txBody>
-      </p:sp>
-    </p:spTree>
-    <p:extLst>
-      <p:ext uri="{BB962C8B-B14F-4D97-AF65-F5344CB8AC3E}">
-        <p14:creationId xmlns:p14="http://schemas.microsoft.com/office/powerpoint/2010/main" val="3085804937"/>
-      </p:ext>
-    </p:extLst>
-  </p:cSld>
-  <p:clrMapOvr>
-    <a:masterClrMapping/>
-  </p:clrMapOvr>
-</p:sld>
-</file>
-
-<file path=ppt/slides/slide5.xml><?xml version="1.0" encoding="utf-8"?>
-<p:sld xmlns:a="http://schemas.openxmlformats.org/drawingml/2006/main" xmlns:r="http://schemas.openxmlformats.org/officeDocument/2006/relationships" xmlns:p="http://schemas.openxmlformats.org/presentationml/2006/main">
-  <p:cSld>
-    <p:spTree>
-      <p:nvGrpSpPr>
-        <p:cNvPr id="1" name=""/>
-        <p:cNvGrpSpPr/>
-        <p:nvPr/>
-      </p:nvGrpSpPr>
-      <p:grpSpPr>
-        <a:xfrm>
-          <a:off x="0" y="0"/>
-          <a:ext cx="0" cy="0"/>
-          <a:chOff x="0" y="0"/>
-          <a:chExt cx="0" cy="0"/>
-        </a:xfrm>
-      </p:grpSpPr>
-      <p:sp>
-        <p:nvSpPr>
-          <p:cNvPr id="2" name="Title 1"/>
-          <p:cNvSpPr>
-            <a:spLocks noGrp="1"/>
-          </p:cNvSpPr>
-          <p:nvPr>
-            <p:ph type="title"/>
-          </p:nvPr>
-        </p:nvSpPr>
-        <p:spPr/>
-        <p:txBody>
-          <a:bodyPr/>
-          <a:lstStyle/>
-          <a:p>
-            <a:endParaRPr lang="he-IL"/>
-          </a:p>
-        </p:txBody>
-      </p:sp>
-      <p:pic>
-        <p:nvPicPr>
-          <p:cNvPr id="4" name="Content Placeholder 3"/>
-          <p:cNvPicPr>
-            <a:picLocks noGrp="1" noChangeAspect="1"/>
-          </p:cNvPicPr>
-          <p:nvPr>
-            <p:ph idx="1"/>
-          </p:nvPr>
-        </p:nvPicPr>
-        <p:blipFill>
-          <a:blip r:embed="rId2"/>
-          <a:stretch>
-            <a:fillRect/>
-          </a:stretch>
-        </p:blipFill>
-        <p:spPr>
-          <a:xfrm>
-            <a:off x="2750344" y="3597275"/>
-            <a:ext cx="6267450" cy="1400175"/>
-          </a:xfrm>
-          <a:prstGeom prst="rect">
-            <a:avLst/>
-          </a:prstGeom>
-        </p:spPr>
-      </p:pic>
-      <p:pic>
-        <p:nvPicPr>
-          <p:cNvPr id="5" name="Picture 4"/>
-          <p:cNvPicPr>
-            <a:picLocks noChangeAspect="1"/>
-          </p:cNvPicPr>
-          <p:nvPr/>
-        </p:nvPicPr>
-        <p:blipFill>
-          <a:blip r:embed="rId3"/>
-          <a:stretch>
-            <a:fillRect/>
-          </a:stretch>
-        </p:blipFill>
-        <p:spPr>
-          <a:xfrm>
-            <a:off x="4229100" y="1714500"/>
-            <a:ext cx="3733800" cy="3429000"/>
-          </a:xfrm>
-          <a:prstGeom prst="rect">
-            <a:avLst/>
-          </a:prstGeom>
-        </p:spPr>
-      </p:pic>
-    </p:spTree>
-    <p:extLst>
-      <p:ext uri="{BB962C8B-B14F-4D97-AF65-F5344CB8AC3E}">
-        <p14:creationId xmlns:p14="http://schemas.microsoft.com/office/powerpoint/2010/main" val="2626306998"/>
-      </p:ext>
-    </p:extLst>
-  </p:cSld>
-  <p:clrMapOvr>
-    <a:masterClrMapping/>
-  </p:clrMapOvr>
-</p:sld>
-</file>
-
-<file path=ppt/slides/slide6.xml><?xml version="1.0" encoding="utf-8"?>
-<p:sld xmlns:a="http://schemas.openxmlformats.org/drawingml/2006/main" xmlns:r="http://schemas.openxmlformats.org/officeDocument/2006/relationships" xmlns:p="http://schemas.openxmlformats.org/presentationml/2006/main">
-  <p:cSld>
-    <p:spTree>
-      <p:nvGrpSpPr>
-        <p:cNvPr id="1" name=""/>
-        <p:cNvGrpSpPr/>
-        <p:nvPr/>
-      </p:nvGrpSpPr>
-      <p:grpSpPr>
-        <a:xfrm>
-          <a:off x="0" y="0"/>
-          <a:ext cx="0" cy="0"/>
-          <a:chOff x="0" y="0"/>
-          <a:chExt cx="0" cy="0"/>
-        </a:xfrm>
-      </p:grpSpPr>
-      <p:sp>
-        <p:nvSpPr>
-          <p:cNvPr id="2" name="Title 1"/>
-          <p:cNvSpPr>
-            <a:spLocks noGrp="1"/>
-          </p:cNvSpPr>
-          <p:nvPr>
-            <p:ph type="title"/>
-          </p:nvPr>
-        </p:nvSpPr>
-        <p:spPr/>
-        <p:txBody>
-          <a:bodyPr/>
-          <a:lstStyle/>
-          <a:p>
-            <a:r>
-              <a:rPr lang="en-US" dirty="0" smtClean="0"/>
-              <a:t>Hierarchical Clustering</a:t>
-            </a:r>
-            <a:endParaRPr lang="he-IL" dirty="0"/>
-          </a:p>
-        </p:txBody>
-      </p:sp>
-      <p:pic>
-        <p:nvPicPr>
-          <p:cNvPr id="1026" name="Picture 2" descr="Dendrogram showing the clustering of mammalian species using the m/z values obtained from computational analysis. Copyright 2009 John Wiley &amp; Sons, Ltd."/>
-          <p:cNvPicPr>
-            <a:picLocks noGrp="1" noChangeAspect="1" noChangeArrowheads="1"/>
-          </p:cNvPicPr>
-          <p:nvPr>
-            <p:ph idx="1"/>
-          </p:nvPr>
-        </p:nvPicPr>
-        <p:blipFill>
-          <a:blip r:embed="rId3">
-            <a:extLst>
-              <a:ext uri="{28A0092B-C50C-407E-A947-70E740481C1C}">
-                <a14:useLocalDpi xmlns:a14="http://schemas.microsoft.com/office/drawing/2010/main" val="0"/>
-              </a:ext>
-            </a:extLst>
-          </a:blip>
-          <a:srcRect/>
-          <a:stretch>
-            <a:fillRect/>
-          </a:stretch>
-        </p:blipFill>
-        <p:spPr bwMode="auto">
-          <a:xfrm>
-            <a:off x="2677720" y="2462442"/>
-            <a:ext cx="6412698" cy="3669841"/>
-          </a:xfrm>
-          <a:prstGeom prst="rect">
-            <a:avLst/>
-          </a:prstGeom>
-          <a:noFill/>
-          <a:extLst>
-            <a:ext uri="{909E8E84-426E-40DD-AFC4-6F175D3DCCD1}">
-              <a14:hiddenFill xmlns:a14="http://schemas.microsoft.com/office/drawing/2010/main">
-                <a:solidFill>
-                  <a:srgbClr val="FFFFFF"/>
-                </a:solidFill>
-              </a14:hiddenFill>
-            </a:ext>
-          </a:extLst>
-        </p:spPr>
-      </p:pic>
-    </p:spTree>
-    <p:extLst>
-      <p:ext uri="{BB962C8B-B14F-4D97-AF65-F5344CB8AC3E}">
-        <p14:creationId xmlns:p14="http://schemas.microsoft.com/office/powerpoint/2010/main" val="361057778"/>
-      </p:ext>
-    </p:extLst>
-  </p:cSld>
-  <p:clrMapOvr>
-    <a:masterClrMapping/>
-  </p:clrMapOvr>
-</p:sld>
-</file>
-
-<file path=ppt/slides/slide7.xml><?xml version="1.0" encoding="utf-8"?>
-<p:sld xmlns:a="http://schemas.openxmlformats.org/drawingml/2006/main" xmlns:r="http://schemas.openxmlformats.org/officeDocument/2006/relationships" xmlns:p="http://schemas.openxmlformats.org/presentationml/2006/main">
-  <p:cSld>
-    <p:spTree>
-      <p:nvGrpSpPr>
-        <p:cNvPr id="1" name=""/>
-        <p:cNvGrpSpPr/>
-        <p:nvPr/>
-      </p:nvGrpSpPr>
-      <p:grpSpPr>
-        <a:xfrm>
-          <a:off x="0" y="0"/>
-          <a:ext cx="0" cy="0"/>
-          <a:chOff x="0" y="0"/>
-          <a:chExt cx="0" cy="0"/>
-        </a:xfrm>
-      </p:grpSpPr>
-      <p:sp>
-        <p:nvSpPr>
-          <p:cNvPr id="2" name="Title 1"/>
-          <p:cNvSpPr>
-            <a:spLocks noGrp="1"/>
-          </p:cNvSpPr>
-          <p:nvPr>
-            <p:ph type="title"/>
-          </p:nvPr>
-        </p:nvSpPr>
-        <p:spPr/>
-        <p:txBody>
-          <a:bodyPr/>
-          <a:lstStyle/>
-          <a:p>
-            <a:endParaRPr lang="he-IL"/>
-          </a:p>
-        </p:txBody>
-      </p:sp>
-      <p:sp>
-        <p:nvSpPr>
-          <p:cNvPr id="3" name="Content Placeholder 2"/>
-          <p:cNvSpPr>
-            <a:spLocks noGrp="1"/>
-          </p:cNvSpPr>
-          <p:nvPr>
-            <p:ph idx="1"/>
-          </p:nvPr>
-        </p:nvSpPr>
-        <p:spPr/>
-        <p:txBody>
-          <a:bodyPr/>
-          <a:lstStyle/>
-          <a:p>
-            <a:r>
-              <a:rPr lang="en-US" dirty="0" smtClean="0"/>
-              <a:t>Don’t scale well</a:t>
-            </a:r>
-          </a:p>
-          <a:p>
-            <a:r>
-              <a:rPr lang="en-US" dirty="0" smtClean="0"/>
-              <a:t>Hierarchy + ability to cut at any point</a:t>
-            </a:r>
-          </a:p>
-          <a:p>
-            <a:endParaRPr lang="he-IL" dirty="0"/>
-          </a:p>
-        </p:txBody>
-      </p:sp>
-    </p:spTree>
-    <p:extLst>
-      <p:ext uri="{BB962C8B-B14F-4D97-AF65-F5344CB8AC3E}">
-        <p14:creationId xmlns:p14="http://schemas.microsoft.com/office/powerpoint/2010/main" val="215759324"/>
-      </p:ext>
-    </p:extLst>
-  </p:cSld>
-  <p:clrMapOvr>
-    <a:masterClrMapping/>
-  </p:clrMapOvr>
-</p:sld>
-</file>
-
-<file path=ppt/slides/slide8.xml><?xml version="1.0" encoding="utf-8"?>
-<p:sld xmlns:a="http://schemas.openxmlformats.org/drawingml/2006/main" xmlns:r="http://schemas.openxmlformats.org/officeDocument/2006/relationships" xmlns:p="http://schemas.openxmlformats.org/presentationml/2006/main">
-  <p:cSld>
-    <p:spTree>
-      <p:nvGrpSpPr>
-        <p:cNvPr id="1" name=""/>
-        <p:cNvGrpSpPr/>
-        <p:nvPr/>
-      </p:nvGrpSpPr>
-      <p:grpSpPr>
-        <a:xfrm>
-          <a:off x="0" y="0"/>
-          <a:ext cx="0" cy="0"/>
-          <a:chOff x="0" y="0"/>
-          <a:chExt cx="0" cy="0"/>
-        </a:xfrm>
-      </p:grpSpPr>
-      <p:sp>
-        <p:nvSpPr>
-          <p:cNvPr id="2" name="Title 1"/>
-          <p:cNvSpPr>
-            <a:spLocks noGrp="1"/>
-          </p:cNvSpPr>
-          <p:nvPr>
-            <p:ph type="title"/>
-          </p:nvPr>
-        </p:nvSpPr>
-        <p:spPr/>
-        <p:txBody>
-          <a:bodyPr/>
-          <a:lstStyle/>
-          <a:p>
-            <a:endParaRPr lang="he-IL"/>
-          </a:p>
-        </p:txBody>
-      </p:sp>
-      <p:pic>
-        <p:nvPicPr>
-          <p:cNvPr id="4" name="Content Placeholder 3"/>
-          <p:cNvPicPr>
-            <a:picLocks noGrp="1" noChangeAspect="1"/>
-          </p:cNvPicPr>
-          <p:nvPr>
-            <p:ph idx="1"/>
-          </p:nvPr>
-        </p:nvPicPr>
-        <p:blipFill>
-          <a:blip r:embed="rId2"/>
-          <a:stretch>
-            <a:fillRect/>
-          </a:stretch>
-        </p:blipFill>
-        <p:spPr>
-          <a:xfrm>
-            <a:off x="2240756" y="2935287"/>
-            <a:ext cx="7286625" cy="2724150"/>
-          </a:xfrm>
-          <a:prstGeom prst="rect">
-            <a:avLst/>
-          </a:prstGeom>
-        </p:spPr>
-      </p:pic>
-    </p:spTree>
-    <p:extLst>
-      <p:ext uri="{BB962C8B-B14F-4D97-AF65-F5344CB8AC3E}">
-        <p14:creationId xmlns:p14="http://schemas.microsoft.com/office/powerpoint/2010/main" val="1111248772"/>
       </p:ext>
     </p:extLst>
   </p:cSld>
@@ -5791,7 +7139,7 @@
       </p:grpSpPr>
       <p:sp>
         <p:nvSpPr>
-          <p:cNvPr id="2" name="Title 1"/>
+          <p:cNvPr id="5" name="Title 4"/>
           <p:cNvSpPr>
             <a:spLocks noGrp="1"/>
           </p:cNvSpPr>
@@ -5806,7 +7154,7 @@
           <a:p>
             <a:r>
               <a:rPr lang="en-US" dirty="0" smtClean="0"/>
-              <a:t>Combining K-means and Hierarchical Clustering</a:t>
+              <a:t>K-Means Properties</a:t>
             </a:r>
             <a:endParaRPr lang="he-IL" dirty="0"/>
           </a:p>
@@ -5814,7 +7162,7 @@
       </p:sp>
       <p:sp>
         <p:nvSpPr>
-          <p:cNvPr id="3" name="Content Placeholder 2"/>
+          <p:cNvPr id="6" name="Content Placeholder 5"/>
           <p:cNvSpPr>
             <a:spLocks noGrp="1"/>
           </p:cNvSpPr>
@@ -5824,297 +7172,44 @@
         </p:nvSpPr>
         <p:spPr/>
         <p:txBody>
-          <a:bodyPr>
-            <a:normAutofit fontScale="47500" lnSpcReduction="20000"/>
-          </a:bodyPr>
-          <a:lstStyle/>
+          <a:bodyPr/>
+          <a:lstStyle/>
+          <a:p>
+            <a:r>
+              <a:rPr lang="en-US" dirty="0" smtClean="0"/>
+              <a:t>Must pre-determine K</a:t>
+            </a:r>
+          </a:p>
           <a:p>
             <a:r>
               <a:rPr lang="en-US" dirty="0"/>
-              <a:t>from </a:t>
-            </a:r>
-            <a:r>
-              <a:rPr lang="en-US" dirty="0" err="1"/>
-              <a:t>sklearn.cluster</a:t>
+              <a:t>Stochastic</a:t>
+            </a:r>
+          </a:p>
+          <a:p>
+            <a:r>
+              <a:rPr lang="en-US" dirty="0" smtClean="0"/>
+              <a:t>Generated </a:t>
             </a:r>
             <a:r>
               <a:rPr lang="en-US" dirty="0"/>
-              <a:t> import </a:t>
-            </a:r>
-            <a:r>
-              <a:rPr lang="en-US" dirty="0" err="1"/>
-              <a:t>KMeans</a:t>
-            </a:r>
-            <a:endParaRPr lang="en-US" dirty="0"/>
-          </a:p>
-          <a:p>
-            <a:r>
-              <a:rPr lang="en-US" dirty="0"/>
-              <a:t>clustering = </a:t>
-            </a:r>
-            <a:r>
-              <a:rPr lang="en-US" dirty="0" err="1"/>
-              <a:t>KMeans</a:t>
-            </a:r>
-            <a:r>
-              <a:rPr lang="en-US" dirty="0"/>
-              <a:t>(</a:t>
-            </a:r>
-            <a:r>
-              <a:rPr lang="en-US" dirty="0" err="1"/>
-              <a:t>n_clusters</a:t>
-            </a:r>
-            <a:r>
-              <a:rPr lang="en-US" dirty="0"/>
-              <a:t>=100, </a:t>
-            </a:r>
-            <a:r>
-              <a:rPr lang="en-US" dirty="0" err="1" smtClean="0"/>
-              <a:t>n_init</a:t>
+              <a:t>clusters that are hyper-spherical in </a:t>
             </a:r>
             <a:r>
               <a:rPr lang="en-US" dirty="0" smtClean="0"/>
-              <a:t>=10, </a:t>
-            </a:r>
-            <a:r>
-              <a:rPr lang="en-US" dirty="0" err="1" smtClean="0"/>
-              <a:t>random_state</a:t>
-            </a:r>
+              <a:t>nature. Can’t generate clusters with unusual shapes</a:t>
+            </a:r>
+          </a:p>
+          <a:p>
             <a:r>
               <a:rPr lang="en-US" dirty="0" smtClean="0"/>
-              <a:t>=1</a:t>
-            </a:r>
-            <a:r>
-              <a:rPr lang="en-US" dirty="0"/>
-              <a:t>)</a:t>
-            </a:r>
-          </a:p>
-          <a:p>
-            <a:r>
-              <a:rPr lang="en-US" dirty="0" err="1"/>
-              <a:t>clustering.fit</a:t>
-            </a:r>
-            <a:r>
-              <a:rPr lang="en-US" dirty="0"/>
-              <a:t>(</a:t>
-            </a:r>
-            <a:r>
-              <a:rPr lang="en-US" dirty="0" err="1"/>
-              <a:t>Cx</a:t>
-            </a:r>
+              <a:t>Tends to generate clusters that are equal in size</a:t>
+            </a:r>
+          </a:p>
+          <a:p>
             <a:r>
               <a:rPr lang="en-US" dirty="0" smtClean="0"/>
-              <a:t>)</a:t>
-            </a:r>
-          </a:p>
-          <a:p>
-            <a:endParaRPr lang="en-US" dirty="0" smtClean="0"/>
-          </a:p>
-          <a:p>
-            <a:r>
-              <a:rPr lang="en-US" dirty="0" err="1" smtClean="0"/>
-              <a:t>Kx</a:t>
-            </a:r>
-            <a:r>
-              <a:rPr lang="en-US" dirty="0" smtClean="0"/>
-              <a:t> </a:t>
-            </a:r>
-            <a:r>
-              <a:rPr lang="en-US" dirty="0"/>
-              <a:t>= </a:t>
-            </a:r>
-            <a:r>
-              <a:rPr lang="en-US" dirty="0" err="1"/>
-              <a:t>clustering.cluster_centers</a:t>
-            </a:r>
-            <a:r>
-              <a:rPr lang="en-US" dirty="0"/>
-              <a:t>_</a:t>
-            </a:r>
-          </a:p>
-          <a:p>
-            <a:r>
-              <a:rPr lang="en-US" dirty="0" err="1"/>
-              <a:t>Kx_mapping</a:t>
-            </a:r>
-            <a:r>
-              <a:rPr lang="en-US" dirty="0"/>
-              <a:t> = {</a:t>
-            </a:r>
-            <a:r>
-              <a:rPr lang="en-US" dirty="0" err="1"/>
-              <a:t>case:cluster</a:t>
-            </a:r>
-            <a:r>
-              <a:rPr lang="en-US" dirty="0"/>
-              <a:t> for case,</a:t>
-            </a:r>
-          </a:p>
-          <a:p>
-            <a:r>
-              <a:rPr lang="en-US" dirty="0"/>
-              <a:t>cluster in enumerate(</a:t>
-            </a:r>
-            <a:r>
-              <a:rPr lang="en-US" dirty="0" err="1"/>
-              <a:t>clustering.labels</a:t>
-            </a:r>
-            <a:r>
-              <a:rPr lang="en-US" dirty="0" smtClean="0"/>
-              <a:t>_)}</a:t>
-            </a:r>
-          </a:p>
-          <a:p>
-            <a:endParaRPr lang="en-US" dirty="0" smtClean="0"/>
-          </a:p>
-          <a:p>
-            <a:r>
-              <a:rPr lang="en-US" dirty="0"/>
-              <a:t>from </a:t>
-            </a:r>
-            <a:r>
-              <a:rPr lang="en-US" dirty="0" err="1"/>
-              <a:t>sklearn.cluster</a:t>
-            </a:r>
-            <a:r>
-              <a:rPr lang="en-US" dirty="0"/>
-              <a:t> import </a:t>
-            </a:r>
-            <a:r>
-              <a:rPr lang="en-US" dirty="0" err="1"/>
-              <a:t>AgglomerativeClustering</a:t>
-            </a:r>
-            <a:endParaRPr lang="en-US" dirty="0"/>
-          </a:p>
-          <a:p>
-            <a:r>
-              <a:rPr lang="en-US" dirty="0" err="1"/>
-              <a:t>Hclustering</a:t>
-            </a:r>
-            <a:r>
-              <a:rPr lang="en-US" dirty="0"/>
-              <a:t> = </a:t>
-            </a:r>
-            <a:r>
-              <a:rPr lang="en-US" dirty="0" err="1"/>
-              <a:t>AgglomerativeClustering</a:t>
-            </a:r>
-            <a:r>
-              <a:rPr lang="en-US" dirty="0"/>
-              <a:t>(</a:t>
-            </a:r>
-            <a:r>
-              <a:rPr lang="en-US" dirty="0" err="1"/>
-              <a:t>n_clusters</a:t>
-            </a:r>
-            <a:r>
-              <a:rPr lang="en-US" dirty="0"/>
-              <a:t>=10</a:t>
-            </a:r>
-            <a:r>
-              <a:rPr lang="en-US" dirty="0" smtClean="0"/>
-              <a:t>, affinity</a:t>
-            </a:r>
-            <a:r>
-              <a:rPr lang="en-US" dirty="0"/>
-              <a:t>='cosine', linkage='complete')</a:t>
-            </a:r>
-          </a:p>
-          <a:p>
-            <a:r>
-              <a:rPr lang="en-US" dirty="0" err="1"/>
-              <a:t>Hclustering.fit</a:t>
-            </a:r>
-            <a:r>
-              <a:rPr lang="en-US" dirty="0"/>
-              <a:t>(</a:t>
-            </a:r>
-            <a:r>
-              <a:rPr lang="en-US" dirty="0" err="1"/>
-              <a:t>Kx</a:t>
-            </a:r>
-            <a:r>
-              <a:rPr lang="en-US" dirty="0" smtClean="0"/>
-              <a:t>)</a:t>
-            </a:r>
-          </a:p>
-          <a:p>
-            <a:endParaRPr lang="en-US" dirty="0"/>
-          </a:p>
-          <a:p>
-            <a:r>
-              <a:rPr lang="en-US" dirty="0" err="1"/>
-              <a:t>H_mapping</a:t>
-            </a:r>
-            <a:r>
-              <a:rPr lang="en-US" dirty="0"/>
-              <a:t> = {</a:t>
-            </a:r>
-            <a:r>
-              <a:rPr lang="en-US" dirty="0" err="1"/>
-              <a:t>case:cluster</a:t>
-            </a:r>
-            <a:r>
-              <a:rPr lang="en-US" dirty="0"/>
-              <a:t> for case</a:t>
-            </a:r>
-            <a:r>
-              <a:rPr lang="en-US" dirty="0" smtClean="0"/>
-              <a:t>, cluster </a:t>
-            </a:r>
-            <a:r>
-              <a:rPr lang="en-US" dirty="0"/>
-              <a:t>in enumerate(</a:t>
-            </a:r>
-            <a:r>
-              <a:rPr lang="en-US" dirty="0" err="1"/>
-              <a:t>Hclustering.labels</a:t>
-            </a:r>
-            <a:r>
-              <a:rPr lang="en-US" dirty="0"/>
-              <a:t>_)}</a:t>
-            </a:r>
-          </a:p>
-          <a:p>
-            <a:r>
-              <a:rPr lang="en-US" dirty="0" err="1"/>
-              <a:t>final_mapping</a:t>
-            </a:r>
-            <a:r>
-              <a:rPr lang="en-US" dirty="0"/>
-              <a:t> = {</a:t>
-            </a:r>
-            <a:r>
-              <a:rPr lang="en-US" dirty="0" err="1"/>
-              <a:t>case:H_mapping</a:t>
-            </a:r>
-            <a:r>
-              <a:rPr lang="en-US" dirty="0"/>
-              <a:t>[</a:t>
-            </a:r>
-            <a:r>
-              <a:rPr lang="en-US" dirty="0" err="1"/>
-              <a:t>Kx_mapping</a:t>
-            </a:r>
-            <a:r>
-              <a:rPr lang="en-US" dirty="0"/>
-              <a:t>[case</a:t>
-            </a:r>
-            <a:r>
-              <a:rPr lang="en-US" dirty="0" smtClean="0"/>
-              <a:t>]] for </a:t>
-            </a:r>
-            <a:r>
-              <a:rPr lang="en-US" dirty="0"/>
-              <a:t>case in </a:t>
-            </a:r>
-            <a:r>
-              <a:rPr lang="en-US" dirty="0" err="1"/>
-              <a:t>Kx_mapping</a:t>
-            </a:r>
-            <a:r>
-              <a:rPr lang="en-US" dirty="0"/>
-              <a:t>}</a:t>
+              <a:t>Sensitive to outliers</a:t>
             </a:r>
             <a:endParaRPr lang="he-IL" dirty="0"/>
           </a:p>
@@ -6123,7 +7218,7 @@
     </p:spTree>
     <p:extLst>
       <p:ext uri="{BB962C8B-B14F-4D97-AF65-F5344CB8AC3E}">
-        <p14:creationId xmlns:p14="http://schemas.microsoft.com/office/powerpoint/2010/main" val="3412554809"/>
+        <p14:creationId xmlns:p14="http://schemas.microsoft.com/office/powerpoint/2010/main" val="1436734648"/>
       </p:ext>
     </p:extLst>
   </p:cSld>
